--- a/Presentations/JavaScript - Language Features.pptx
+++ b/Presentations/JavaScript - Language Features.pptx
@@ -4,23 +4,30 @@
   <p:sldMasterIdLst>
     <p:sldMasterId id="2147483648" r:id="rId1"/>
   </p:sldMasterIdLst>
+  <p:notesMasterIdLst>
+    <p:notesMasterId r:id="rId22"/>
+  </p:notesMasterIdLst>
   <p:sldIdLst>
     <p:sldId id="256" r:id="rId2"/>
     <p:sldId id="257" r:id="rId3"/>
     <p:sldId id="270" r:id="rId4"/>
     <p:sldId id="272" r:id="rId5"/>
     <p:sldId id="259" r:id="rId6"/>
-    <p:sldId id="261" r:id="rId7"/>
+    <p:sldId id="277" r:id="rId7"/>
     <p:sldId id="262" r:id="rId8"/>
-    <p:sldId id="273" r:id="rId9"/>
-    <p:sldId id="271" r:id="rId10"/>
-    <p:sldId id="263" r:id="rId11"/>
-    <p:sldId id="266" r:id="rId12"/>
-    <p:sldId id="264" r:id="rId13"/>
-    <p:sldId id="267" r:id="rId14"/>
-    <p:sldId id="265" r:id="rId15"/>
-    <p:sldId id="268" r:id="rId16"/>
-    <p:sldId id="269" r:id="rId17"/>
+    <p:sldId id="271" r:id="rId9"/>
+    <p:sldId id="273" r:id="rId10"/>
+    <p:sldId id="278" r:id="rId11"/>
+    <p:sldId id="263" r:id="rId12"/>
+    <p:sldId id="266" r:id="rId13"/>
+    <p:sldId id="264" r:id="rId14"/>
+    <p:sldId id="267" r:id="rId15"/>
+    <p:sldId id="265" r:id="rId16"/>
+    <p:sldId id="268" r:id="rId17"/>
+    <p:sldId id="269" r:id="rId18"/>
+    <p:sldId id="274" r:id="rId19"/>
+    <p:sldId id="275" r:id="rId20"/>
+    <p:sldId id="276" r:id="rId21"/>
   </p:sldIdLst>
   <p:sldSz cx="12192000" cy="6858000"/>
   <p:notesSz cx="6858000" cy="9144000"/>
@@ -119,7 +126,496 @@
       </a:defRPr>
     </a:lvl9pPr>
   </p:defaultTextStyle>
+  <p:extLst>
+    <p:ext uri="{521415D9-36F7-43E2-AB2F-B90AF26B5E84}">
+      <p14:sectionLst xmlns:p14="http://schemas.microsoft.com/office/powerpoint/2010/main">
+        <p14:section name="Introduction" id="{47F2C6B0-B775-42CB-AFBF-E3A71BDBDC73}">
+          <p14:sldIdLst>
+            <p14:sldId id="256"/>
+            <p14:sldId id="257"/>
+            <p14:sldId id="270"/>
+            <p14:sldId id="272"/>
+            <p14:sldId id="259"/>
+            <p14:sldId id="277"/>
+            <p14:sldId id="262"/>
+            <p14:sldId id="271"/>
+            <p14:sldId id="273"/>
+            <p14:sldId id="278"/>
+            <p14:sldId id="263"/>
+            <p14:sldId id="266"/>
+            <p14:sldId id="264"/>
+            <p14:sldId id="267"/>
+            <p14:sldId id="265"/>
+            <p14:sldId id="268"/>
+          </p14:sldIdLst>
+        </p14:section>
+        <p14:section name="Language Comparison" id="{69D7BB11-3A30-4F74-934A-79968A14B618}">
+          <p14:sldIdLst>
+            <p14:sldId id="269"/>
+            <p14:sldId id="274"/>
+          </p14:sldIdLst>
+        </p14:section>
+        <p14:section name="Object Oriented Concepts" id="{D240F1EC-0943-4751-8DC9-F15407842A95}">
+          <p14:sldIdLst>
+            <p14:sldId id="275"/>
+          </p14:sldIdLst>
+        </p14:section>
+        <p14:section name="Practical Scenarios" id="{E3C489C3-A7F4-4EDE-9FA2-5123832B40D0}">
+          <p14:sldIdLst>
+            <p14:sldId id="276"/>
+          </p14:sldIdLst>
+        </p14:section>
+      </p14:sectionLst>
+    </p:ext>
+    <p:ext uri="{EFAFB233-063F-42B5-8137-9DF3F51BA10A}">
+      <p15:sldGuideLst xmlns:p15="http://schemas.microsoft.com/office/powerpoint/2012/main"/>
+    </p:ext>
+  </p:extLst>
 </p:presentation>
+</file>
+
+<file path=ppt/notesMasters/notesMaster1.xml><?xml version="1.0" encoding="utf-8"?>
+<p:notesMaster xmlns:a="http://schemas.openxmlformats.org/drawingml/2006/main" xmlns:r="http://schemas.openxmlformats.org/officeDocument/2006/relationships" xmlns:p="http://schemas.openxmlformats.org/presentationml/2006/main">
+  <p:cSld>
+    <p:bg>
+      <p:bgRef idx="1001">
+        <a:schemeClr val="bg1"/>
+      </p:bgRef>
+    </p:bg>
+    <p:spTree>
+      <p:nvGrpSpPr>
+        <p:cNvPr id="1" name=""/>
+        <p:cNvGrpSpPr/>
+        <p:nvPr/>
+      </p:nvGrpSpPr>
+      <p:grpSpPr>
+        <a:xfrm>
+          <a:off x="0" y="0"/>
+          <a:ext cx="0" cy="0"/>
+          <a:chOff x="0" y="0"/>
+          <a:chExt cx="0" cy="0"/>
+        </a:xfrm>
+      </p:grpSpPr>
+      <p:sp>
+        <p:nvSpPr>
+          <p:cNvPr id="2" name="Header Placeholder 1"/>
+          <p:cNvSpPr>
+            <a:spLocks noGrp="1"/>
+          </p:cNvSpPr>
+          <p:nvPr>
+            <p:ph type="hdr" sz="quarter"/>
+          </p:nvPr>
+        </p:nvSpPr>
+        <p:spPr>
+          <a:xfrm>
+            <a:off x="0" y="0"/>
+            <a:ext cx="2971800" cy="458788"/>
+          </a:xfrm>
+          <a:prstGeom prst="rect">
+            <a:avLst/>
+          </a:prstGeom>
+        </p:spPr>
+        <p:txBody>
+          <a:bodyPr vert="horz" lIns="91440" tIns="45720" rIns="91440" bIns="45720" rtlCol="0"/>
+          <a:lstStyle>
+            <a:lvl1pPr algn="l">
+              <a:defRPr sz="1200"/>
+            </a:lvl1pPr>
+          </a:lstStyle>
+          <a:p>
+            <a:endParaRPr lang="en-US"/>
+          </a:p>
+        </p:txBody>
+      </p:sp>
+      <p:sp>
+        <p:nvSpPr>
+          <p:cNvPr id="3" name="Date Placeholder 2"/>
+          <p:cNvSpPr>
+            <a:spLocks noGrp="1"/>
+          </p:cNvSpPr>
+          <p:nvPr>
+            <p:ph type="dt" idx="1"/>
+          </p:nvPr>
+        </p:nvSpPr>
+        <p:spPr>
+          <a:xfrm>
+            <a:off x="3884613" y="0"/>
+            <a:ext cx="2971800" cy="458788"/>
+          </a:xfrm>
+          <a:prstGeom prst="rect">
+            <a:avLst/>
+          </a:prstGeom>
+        </p:spPr>
+        <p:txBody>
+          <a:bodyPr vert="horz" lIns="91440" tIns="45720" rIns="91440" bIns="45720" rtlCol="0"/>
+          <a:lstStyle>
+            <a:lvl1pPr algn="r">
+              <a:defRPr sz="1200"/>
+            </a:lvl1pPr>
+          </a:lstStyle>
+          <a:p>
+            <a:fld id="{EC0B4A1C-1E78-4506-BDEE-AC040F109A54}" type="datetimeFigureOut">
+              <a:rPr lang="en-US" smtClean="0"/>
+              <a:t>7/8/2015</a:t>
+            </a:fld>
+            <a:endParaRPr lang="en-US"/>
+          </a:p>
+        </p:txBody>
+      </p:sp>
+      <p:sp>
+        <p:nvSpPr>
+          <p:cNvPr id="4" name="Slide Image Placeholder 3"/>
+          <p:cNvSpPr>
+            <a:spLocks noGrp="1" noRot="1" noChangeAspect="1"/>
+          </p:cNvSpPr>
+          <p:nvPr>
+            <p:ph type="sldImg" idx="2"/>
+          </p:nvPr>
+        </p:nvSpPr>
+        <p:spPr>
+          <a:xfrm>
+            <a:off x="685800" y="1143000"/>
+            <a:ext cx="5486400" cy="3086100"/>
+          </a:xfrm>
+          <a:prstGeom prst="rect">
+            <a:avLst/>
+          </a:prstGeom>
+          <a:noFill/>
+          <a:ln w="12700">
+            <a:solidFill>
+              <a:prstClr val="black"/>
+            </a:solidFill>
+          </a:ln>
+        </p:spPr>
+        <p:txBody>
+          <a:bodyPr vert="horz" lIns="91440" tIns="45720" rIns="91440" bIns="45720" rtlCol="0" anchor="ctr"/>
+          <a:lstStyle/>
+          <a:p>
+            <a:endParaRPr lang="en-US"/>
+          </a:p>
+        </p:txBody>
+      </p:sp>
+      <p:sp>
+        <p:nvSpPr>
+          <p:cNvPr id="5" name="Notes Placeholder 4"/>
+          <p:cNvSpPr>
+            <a:spLocks noGrp="1"/>
+          </p:cNvSpPr>
+          <p:nvPr>
+            <p:ph type="body" sz="quarter" idx="3"/>
+          </p:nvPr>
+        </p:nvSpPr>
+        <p:spPr>
+          <a:xfrm>
+            <a:off x="685800" y="4400550"/>
+            <a:ext cx="5486400" cy="3600450"/>
+          </a:xfrm>
+          <a:prstGeom prst="rect">
+            <a:avLst/>
+          </a:prstGeom>
+        </p:spPr>
+        <p:txBody>
+          <a:bodyPr vert="horz" lIns="91440" tIns="45720" rIns="91440" bIns="45720" rtlCol="0"/>
+          <a:lstStyle/>
+          <a:p>
+            <a:pPr lvl="0"/>
+            <a:r>
+              <a:rPr lang="en-US" smtClean="0"/>
+              <a:t>Click to edit Master text styles</a:t>
+            </a:r>
+          </a:p>
+          <a:p>
+            <a:pPr lvl="1"/>
+            <a:r>
+              <a:rPr lang="en-US" smtClean="0"/>
+              <a:t>Second level</a:t>
+            </a:r>
+          </a:p>
+          <a:p>
+            <a:pPr lvl="2"/>
+            <a:r>
+              <a:rPr lang="en-US" smtClean="0"/>
+              <a:t>Third level</a:t>
+            </a:r>
+          </a:p>
+          <a:p>
+            <a:pPr lvl="3"/>
+            <a:r>
+              <a:rPr lang="en-US" smtClean="0"/>
+              <a:t>Fourth level</a:t>
+            </a:r>
+          </a:p>
+          <a:p>
+            <a:pPr lvl="4"/>
+            <a:r>
+              <a:rPr lang="en-US" smtClean="0"/>
+              <a:t>Fifth level</a:t>
+            </a:r>
+            <a:endParaRPr lang="en-US"/>
+          </a:p>
+        </p:txBody>
+      </p:sp>
+      <p:sp>
+        <p:nvSpPr>
+          <p:cNvPr id="6" name="Footer Placeholder 5"/>
+          <p:cNvSpPr>
+            <a:spLocks noGrp="1"/>
+          </p:cNvSpPr>
+          <p:nvPr>
+            <p:ph type="ftr" sz="quarter" idx="4"/>
+          </p:nvPr>
+        </p:nvSpPr>
+        <p:spPr>
+          <a:xfrm>
+            <a:off x="0" y="8685213"/>
+            <a:ext cx="2971800" cy="458787"/>
+          </a:xfrm>
+          <a:prstGeom prst="rect">
+            <a:avLst/>
+          </a:prstGeom>
+        </p:spPr>
+        <p:txBody>
+          <a:bodyPr vert="horz" lIns="91440" tIns="45720" rIns="91440" bIns="45720" rtlCol="0" anchor="b"/>
+          <a:lstStyle>
+            <a:lvl1pPr algn="l">
+              <a:defRPr sz="1200"/>
+            </a:lvl1pPr>
+          </a:lstStyle>
+          <a:p>
+            <a:endParaRPr lang="en-US"/>
+          </a:p>
+        </p:txBody>
+      </p:sp>
+      <p:sp>
+        <p:nvSpPr>
+          <p:cNvPr id="7" name="Slide Number Placeholder 6"/>
+          <p:cNvSpPr>
+            <a:spLocks noGrp="1"/>
+          </p:cNvSpPr>
+          <p:nvPr>
+            <p:ph type="sldNum" sz="quarter" idx="5"/>
+          </p:nvPr>
+        </p:nvSpPr>
+        <p:spPr>
+          <a:xfrm>
+            <a:off x="3884613" y="8685213"/>
+            <a:ext cx="2971800" cy="458787"/>
+          </a:xfrm>
+          <a:prstGeom prst="rect">
+            <a:avLst/>
+          </a:prstGeom>
+        </p:spPr>
+        <p:txBody>
+          <a:bodyPr vert="horz" lIns="91440" tIns="45720" rIns="91440" bIns="45720" rtlCol="0" anchor="b"/>
+          <a:lstStyle>
+            <a:lvl1pPr algn="r">
+              <a:defRPr sz="1200"/>
+            </a:lvl1pPr>
+          </a:lstStyle>
+          <a:p>
+            <a:fld id="{0A1765A9-FEF9-489A-B776-AC0FD35260EB}" type="slidenum">
+              <a:rPr lang="en-US" smtClean="0"/>
+              <a:t>‹#›</a:t>
+            </a:fld>
+            <a:endParaRPr lang="en-US"/>
+          </a:p>
+        </p:txBody>
+      </p:sp>
+    </p:spTree>
+    <p:extLst>
+      <p:ext uri="{BB962C8B-B14F-4D97-AF65-F5344CB8AC3E}">
+        <p14:creationId xmlns:p14="http://schemas.microsoft.com/office/powerpoint/2010/main" val="1059673119"/>
+      </p:ext>
+    </p:extLst>
+  </p:cSld>
+  <p:clrMap bg1="lt1" tx1="dk1" bg2="lt2" tx2="dk2" accent1="accent1" accent2="accent2" accent3="accent3" accent4="accent4" accent5="accent5" accent6="accent6" hlink="hlink" folHlink="folHlink"/>
+  <p:notesStyle>
+    <a:lvl1pPr marL="0" algn="l" defTabSz="914400" rtl="0" eaLnBrk="1" latinLnBrk="0" hangingPunct="1">
+      <a:defRPr sz="1200" kern="1200">
+        <a:solidFill>
+          <a:schemeClr val="tx1"/>
+        </a:solidFill>
+        <a:latin typeface="+mn-lt"/>
+        <a:ea typeface="+mn-ea"/>
+        <a:cs typeface="+mn-cs"/>
+      </a:defRPr>
+    </a:lvl1pPr>
+    <a:lvl2pPr marL="457200" algn="l" defTabSz="914400" rtl="0" eaLnBrk="1" latinLnBrk="0" hangingPunct="1">
+      <a:defRPr sz="1200" kern="1200">
+        <a:solidFill>
+          <a:schemeClr val="tx1"/>
+        </a:solidFill>
+        <a:latin typeface="+mn-lt"/>
+        <a:ea typeface="+mn-ea"/>
+        <a:cs typeface="+mn-cs"/>
+      </a:defRPr>
+    </a:lvl2pPr>
+    <a:lvl3pPr marL="914400" algn="l" defTabSz="914400" rtl="0" eaLnBrk="1" latinLnBrk="0" hangingPunct="1">
+      <a:defRPr sz="1200" kern="1200">
+        <a:solidFill>
+          <a:schemeClr val="tx1"/>
+        </a:solidFill>
+        <a:latin typeface="+mn-lt"/>
+        <a:ea typeface="+mn-ea"/>
+        <a:cs typeface="+mn-cs"/>
+      </a:defRPr>
+    </a:lvl3pPr>
+    <a:lvl4pPr marL="1371600" algn="l" defTabSz="914400" rtl="0" eaLnBrk="1" latinLnBrk="0" hangingPunct="1">
+      <a:defRPr sz="1200" kern="1200">
+        <a:solidFill>
+          <a:schemeClr val="tx1"/>
+        </a:solidFill>
+        <a:latin typeface="+mn-lt"/>
+        <a:ea typeface="+mn-ea"/>
+        <a:cs typeface="+mn-cs"/>
+      </a:defRPr>
+    </a:lvl4pPr>
+    <a:lvl5pPr marL="1828800" algn="l" defTabSz="914400" rtl="0" eaLnBrk="1" latinLnBrk="0" hangingPunct="1">
+      <a:defRPr sz="1200" kern="1200">
+        <a:solidFill>
+          <a:schemeClr val="tx1"/>
+        </a:solidFill>
+        <a:latin typeface="+mn-lt"/>
+        <a:ea typeface="+mn-ea"/>
+        <a:cs typeface="+mn-cs"/>
+      </a:defRPr>
+    </a:lvl5pPr>
+    <a:lvl6pPr marL="2286000" algn="l" defTabSz="914400" rtl="0" eaLnBrk="1" latinLnBrk="0" hangingPunct="1">
+      <a:defRPr sz="1200" kern="1200">
+        <a:solidFill>
+          <a:schemeClr val="tx1"/>
+        </a:solidFill>
+        <a:latin typeface="+mn-lt"/>
+        <a:ea typeface="+mn-ea"/>
+        <a:cs typeface="+mn-cs"/>
+      </a:defRPr>
+    </a:lvl6pPr>
+    <a:lvl7pPr marL="2743200" algn="l" defTabSz="914400" rtl="0" eaLnBrk="1" latinLnBrk="0" hangingPunct="1">
+      <a:defRPr sz="1200" kern="1200">
+        <a:solidFill>
+          <a:schemeClr val="tx1"/>
+        </a:solidFill>
+        <a:latin typeface="+mn-lt"/>
+        <a:ea typeface="+mn-ea"/>
+        <a:cs typeface="+mn-cs"/>
+      </a:defRPr>
+    </a:lvl7pPr>
+    <a:lvl8pPr marL="3200400" algn="l" defTabSz="914400" rtl="0" eaLnBrk="1" latinLnBrk="0" hangingPunct="1">
+      <a:defRPr sz="1200" kern="1200">
+        <a:solidFill>
+          <a:schemeClr val="tx1"/>
+        </a:solidFill>
+        <a:latin typeface="+mn-lt"/>
+        <a:ea typeface="+mn-ea"/>
+        <a:cs typeface="+mn-cs"/>
+      </a:defRPr>
+    </a:lvl8pPr>
+    <a:lvl9pPr marL="3657600" algn="l" defTabSz="914400" rtl="0" eaLnBrk="1" latinLnBrk="0" hangingPunct="1">
+      <a:defRPr sz="1200" kern="1200">
+        <a:solidFill>
+          <a:schemeClr val="tx1"/>
+        </a:solidFill>
+        <a:latin typeface="+mn-lt"/>
+        <a:ea typeface="+mn-ea"/>
+        <a:cs typeface="+mn-cs"/>
+      </a:defRPr>
+    </a:lvl9pPr>
+  </p:notesStyle>
+</p:notesMaster>
+</file>
+
+<file path=ppt/notesSlides/notesSlide1.xml><?xml version="1.0" encoding="utf-8"?>
+<p:notes xmlns:a="http://schemas.openxmlformats.org/drawingml/2006/main" xmlns:r="http://schemas.openxmlformats.org/officeDocument/2006/relationships" xmlns:p="http://schemas.openxmlformats.org/presentationml/2006/main">
+  <p:cSld>
+    <p:spTree>
+      <p:nvGrpSpPr>
+        <p:cNvPr id="1" name=""/>
+        <p:cNvGrpSpPr/>
+        <p:nvPr/>
+      </p:nvGrpSpPr>
+      <p:grpSpPr>
+        <a:xfrm>
+          <a:off x="0" y="0"/>
+          <a:ext cx="0" cy="0"/>
+          <a:chOff x="0" y="0"/>
+          <a:chExt cx="0" cy="0"/>
+        </a:xfrm>
+      </p:grpSpPr>
+      <p:sp>
+        <p:nvSpPr>
+          <p:cNvPr id="2" name="Slide Image Placeholder 1"/>
+          <p:cNvSpPr>
+            <a:spLocks noGrp="1" noRot="1" noChangeAspect="1"/>
+          </p:cNvSpPr>
+          <p:nvPr>
+            <p:ph type="sldImg"/>
+          </p:nvPr>
+        </p:nvSpPr>
+        <p:spPr/>
+      </p:sp>
+      <p:sp>
+        <p:nvSpPr>
+          <p:cNvPr id="3" name="Notes Placeholder 2"/>
+          <p:cNvSpPr>
+            <a:spLocks noGrp="1"/>
+          </p:cNvSpPr>
+          <p:nvPr>
+            <p:ph type="body" idx="1"/>
+          </p:nvPr>
+        </p:nvSpPr>
+        <p:spPr/>
+        <p:txBody>
+          <a:bodyPr/>
+          <a:lstStyle/>
+          <a:p>
+            <a:r>
+              <a:rPr lang="en-US" dirty="0" smtClean="0"/>
+              <a:t>Java to JavaScript is as good as Car to Carnival </a:t>
+            </a:r>
+            <a:r>
+              <a:rPr lang="en-US" dirty="0" smtClean="0">
+                <a:sym typeface="Wingdings" panose="05000000000000000000" pitchFamily="2" charset="2"/>
+              </a:rPr>
+              <a:t></a:t>
+            </a:r>
+            <a:endParaRPr lang="en-US" dirty="0"/>
+          </a:p>
+        </p:txBody>
+      </p:sp>
+      <p:sp>
+        <p:nvSpPr>
+          <p:cNvPr id="4" name="Slide Number Placeholder 3"/>
+          <p:cNvSpPr>
+            <a:spLocks noGrp="1"/>
+          </p:cNvSpPr>
+          <p:nvPr>
+            <p:ph type="sldNum" sz="quarter" idx="10"/>
+          </p:nvPr>
+        </p:nvSpPr>
+        <p:spPr/>
+        <p:txBody>
+          <a:bodyPr/>
+          <a:lstStyle/>
+          <a:p>
+            <a:fld id="{0A1765A9-FEF9-489A-B776-AC0FD35260EB}" type="slidenum">
+              <a:rPr lang="en-US" smtClean="0"/>
+              <a:t>2</a:t>
+            </a:fld>
+            <a:endParaRPr lang="en-US"/>
+          </a:p>
+        </p:txBody>
+      </p:sp>
+    </p:spTree>
+    <p:extLst>
+      <p:ext uri="{BB962C8B-B14F-4D97-AF65-F5344CB8AC3E}">
+        <p14:creationId xmlns:p14="http://schemas.microsoft.com/office/powerpoint/2010/main" val="3868275380"/>
+      </p:ext>
+    </p:extLst>
+  </p:cSld>
+  <p:clrMapOvr>
+    <a:masterClrMapping/>
+  </p:clrMapOvr>
+</p:notes>
 </file>
 
 <file path=ppt/slideLayouts/slideLayout1.xml><?xml version="1.0" encoding="utf-8"?>
@@ -253,7 +749,7 @@
           <a:p>
             <a:fld id="{A6DC50E3-1BD8-4A86-A702-0440341AF9AB}" type="datetimeFigureOut">
               <a:rPr lang="en-US" smtClean="0"/>
-              <a:t>7/3/2015</a:t>
+              <a:t>7/8/2015</a:t>
             </a:fld>
             <a:endParaRPr lang="en-US"/>
           </a:p>
@@ -423,7 +919,7 @@
           <a:p>
             <a:fld id="{A6DC50E3-1BD8-4A86-A702-0440341AF9AB}" type="datetimeFigureOut">
               <a:rPr lang="en-US" smtClean="0"/>
-              <a:t>7/3/2015</a:t>
+              <a:t>7/8/2015</a:t>
             </a:fld>
             <a:endParaRPr lang="en-US"/>
           </a:p>
@@ -603,7 +1099,7 @@
           <a:p>
             <a:fld id="{A6DC50E3-1BD8-4A86-A702-0440341AF9AB}" type="datetimeFigureOut">
               <a:rPr lang="en-US" smtClean="0"/>
-              <a:t>7/3/2015</a:t>
+              <a:t>7/8/2015</a:t>
             </a:fld>
             <a:endParaRPr lang="en-US"/>
           </a:p>
@@ -773,7 +1269,7 @@
           <a:p>
             <a:fld id="{A6DC50E3-1BD8-4A86-A702-0440341AF9AB}" type="datetimeFigureOut">
               <a:rPr lang="en-US" smtClean="0"/>
-              <a:t>7/3/2015</a:t>
+              <a:t>7/8/2015</a:t>
             </a:fld>
             <a:endParaRPr lang="en-US"/>
           </a:p>
@@ -1019,7 +1515,7 @@
           <a:p>
             <a:fld id="{A6DC50E3-1BD8-4A86-A702-0440341AF9AB}" type="datetimeFigureOut">
               <a:rPr lang="en-US" smtClean="0"/>
-              <a:t>7/3/2015</a:t>
+              <a:t>7/8/2015</a:t>
             </a:fld>
             <a:endParaRPr lang="en-US"/>
           </a:p>
@@ -1251,7 +1747,7 @@
           <a:p>
             <a:fld id="{A6DC50E3-1BD8-4A86-A702-0440341AF9AB}" type="datetimeFigureOut">
               <a:rPr lang="en-US" smtClean="0"/>
-              <a:t>7/3/2015</a:t>
+              <a:t>7/8/2015</a:t>
             </a:fld>
             <a:endParaRPr lang="en-US"/>
           </a:p>
@@ -1618,7 +2114,7 @@
           <a:p>
             <a:fld id="{A6DC50E3-1BD8-4A86-A702-0440341AF9AB}" type="datetimeFigureOut">
               <a:rPr lang="en-US" smtClean="0"/>
-              <a:t>7/3/2015</a:t>
+              <a:t>7/8/2015</a:t>
             </a:fld>
             <a:endParaRPr lang="en-US"/>
           </a:p>
@@ -1736,7 +2232,7 @@
           <a:p>
             <a:fld id="{A6DC50E3-1BD8-4A86-A702-0440341AF9AB}" type="datetimeFigureOut">
               <a:rPr lang="en-US" smtClean="0"/>
-              <a:t>7/3/2015</a:t>
+              <a:t>7/8/2015</a:t>
             </a:fld>
             <a:endParaRPr lang="en-US"/>
           </a:p>
@@ -1831,7 +2327,7 @@
           <a:p>
             <a:fld id="{A6DC50E3-1BD8-4A86-A702-0440341AF9AB}" type="datetimeFigureOut">
               <a:rPr lang="en-US" smtClean="0"/>
-              <a:t>7/3/2015</a:t>
+              <a:t>7/8/2015</a:t>
             </a:fld>
             <a:endParaRPr lang="en-US"/>
           </a:p>
@@ -2108,7 +2604,7 @@
           <a:p>
             <a:fld id="{A6DC50E3-1BD8-4A86-A702-0440341AF9AB}" type="datetimeFigureOut">
               <a:rPr lang="en-US" smtClean="0"/>
-              <a:t>7/3/2015</a:t>
+              <a:t>7/8/2015</a:t>
             </a:fld>
             <a:endParaRPr lang="en-US"/>
           </a:p>
@@ -2361,7 +2857,7 @@
           <a:p>
             <a:fld id="{A6DC50E3-1BD8-4A86-A702-0440341AF9AB}" type="datetimeFigureOut">
               <a:rPr lang="en-US" smtClean="0"/>
-              <a:t>7/3/2015</a:t>
+              <a:t>7/8/2015</a:t>
             </a:fld>
             <a:endParaRPr lang="en-US"/>
           </a:p>
@@ -2574,7 +3070,7 @@
           <a:p>
             <a:fld id="{A6DC50E3-1BD8-4A86-A702-0440341AF9AB}" type="datetimeFigureOut">
               <a:rPr lang="en-US" smtClean="0"/>
-              <a:t>7/3/2015</a:t>
+              <a:t>7/8/2015</a:t>
             </a:fld>
             <a:endParaRPr lang="en-US"/>
           </a:p>
@@ -3077,7 +3573,7 @@
           <a:p>
             <a:r>
               <a:rPr lang="en-US" dirty="0" smtClean="0"/>
-              <a:t>Control Statements</a:t>
+              <a:t>Coercion	</a:t>
             </a:r>
             <a:endParaRPr lang="en-US" dirty="0"/>
           </a:p>
@@ -3100,58 +3596,48 @@
           <a:p>
             <a:r>
               <a:rPr lang="en-US" dirty="0" smtClean="0"/>
-              <a:t>If - else</a:t>
-            </a:r>
-          </a:p>
-          <a:p>
-            <a:r>
-              <a:rPr lang="en-US" dirty="0" smtClean="0"/>
-              <a:t>switch – case - default</a:t>
-            </a:r>
-          </a:p>
-          <a:p>
-            <a:r>
-              <a:rPr lang="en-US" dirty="0" smtClean="0"/>
-              <a:t>while</a:t>
-            </a:r>
-          </a:p>
-          <a:p>
-            <a:r>
-              <a:rPr lang="en-US" dirty="0" smtClean="0"/>
-              <a:t>do</a:t>
-            </a:r>
-          </a:p>
-          <a:p>
-            <a:r>
-              <a:rPr lang="en-US" dirty="0" smtClean="0"/>
-              <a:t>for</a:t>
-            </a:r>
-          </a:p>
-          <a:p>
-            <a:r>
-              <a:rPr lang="en-US" dirty="0" smtClean="0"/>
-              <a:t>for…in</a:t>
-            </a:r>
+              <a:t>Explicit</a:t>
+            </a:r>
+          </a:p>
+          <a:p>
+            <a:r>
+              <a:rPr lang="en-US" dirty="0" smtClean="0"/>
+              <a:t>Implicit</a:t>
+            </a:r>
+          </a:p>
+          <a:p>
+            <a:r>
+              <a:rPr lang="en-US" dirty="0" smtClean="0"/>
+              <a:t>Gotchas!</a:t>
+            </a:r>
+          </a:p>
+          <a:p>
+            <a:pPr lvl="1"/>
+            <a:r>
+              <a:rPr lang="en-US" dirty="0" smtClean="0"/>
+              <a:t>Array</a:t>
+            </a:r>
+          </a:p>
+          <a:p>
+            <a:pPr lvl="1"/>
+            <a:r>
+              <a:rPr lang="en-US" dirty="0" smtClean="0"/>
+              <a:t>Number comparing to string</a:t>
+            </a:r>
+            <a:endParaRPr lang="en-US" dirty="0"/>
           </a:p>
         </p:txBody>
       </p:sp>
     </p:spTree>
     <p:extLst>
       <p:ext uri="{BB962C8B-B14F-4D97-AF65-F5344CB8AC3E}">
-        <p14:creationId xmlns:p14="http://schemas.microsoft.com/office/powerpoint/2010/main" val="3233511737"/>
+        <p14:creationId xmlns:p14="http://schemas.microsoft.com/office/powerpoint/2010/main" val="630425297"/>
       </p:ext>
     </p:extLst>
   </p:cSld>
   <p:clrMapOvr>
     <a:masterClrMapping/>
   </p:clrMapOvr>
-  <p:timing>
-    <p:tnLst>
-      <p:par>
-        <p:cTn id="1" dur="indefinite" restart="never" nodeType="tmRoot"/>
-      </p:par>
-    </p:tnLst>
-  </p:timing>
 </p:sld>
 </file>
 
@@ -3189,7 +3675,7 @@
           <a:p>
             <a:r>
               <a:rPr lang="en-US" dirty="0" smtClean="0"/>
-              <a:t>Arrays</a:t>
+              <a:t>Control Statements</a:t>
             </a:r>
             <a:endParaRPr lang="en-US" dirty="0"/>
           </a:p>
@@ -3207,80 +3693,50 @@
         </p:nvSpPr>
         <p:spPr/>
         <p:txBody>
-          <a:bodyPr>
-            <a:normAutofit fontScale="92500" lnSpcReduction="10000"/>
-          </a:bodyPr>
-          <a:lstStyle/>
-          <a:p>
-            <a:r>
-              <a:rPr lang="en-US" dirty="0" smtClean="0"/>
-              <a:t>Used to store data in a list format</a:t>
-            </a:r>
-          </a:p>
-          <a:p>
-            <a:r>
-              <a:rPr lang="en-US" dirty="0" smtClean="0"/>
-              <a:t>Zero index based</a:t>
-            </a:r>
-          </a:p>
-          <a:p>
-            <a:r>
-              <a:rPr lang="en-US" dirty="0" smtClean="0"/>
-              <a:t>Length to get the count</a:t>
-            </a:r>
-          </a:p>
-          <a:p>
-            <a:r>
-              <a:rPr lang="en-US" dirty="0" smtClean="0"/>
-              <a:t>Unlike other programming languages it can contain items of different data types.</a:t>
-            </a:r>
-          </a:p>
-          <a:p>
-            <a:pPr marL="0" indent="0">
-              <a:buNone/>
-            </a:pPr>
-            <a:endParaRPr lang="da-DK" dirty="0"/>
-          </a:p>
-          <a:p>
-            <a:pPr marL="0" indent="0">
-              <a:buNone/>
-            </a:pPr>
-            <a:r>
-              <a:rPr lang="da-DK" dirty="0" smtClean="0"/>
-              <a:t>var numbers = [1, 2, 3, 4, 5, ”Red”,];</a:t>
-            </a:r>
-          </a:p>
-          <a:p>
-            <a:pPr marL="0" indent="0">
-              <a:buNone/>
-            </a:pPr>
-            <a:r>
-              <a:rPr lang="da-DK" dirty="0" smtClean="0"/>
-              <a:t>console.log(numbers[4]);  //5</a:t>
-            </a:r>
-          </a:p>
-          <a:p>
-            <a:pPr marL="0" indent="0">
-              <a:buNone/>
-            </a:pPr>
-            <a:endParaRPr lang="da-DK" dirty="0"/>
-          </a:p>
-          <a:p>
-            <a:pPr marL="0" indent="0">
-              <a:buNone/>
-            </a:pPr>
-            <a:r>
-              <a:rPr lang="da-DK" dirty="0" smtClean="0"/>
-              <a:t>numbers.push(6); // appends item</a:t>
-            </a:r>
-            <a:endParaRPr lang="en-US" dirty="0" smtClean="0"/>
+          <a:bodyPr/>
+          <a:lstStyle/>
+          <a:p>
+            <a:r>
+              <a:rPr lang="en-US" dirty="0" smtClean="0"/>
+              <a:t>If - else</a:t>
+            </a:r>
+          </a:p>
+          <a:p>
+            <a:r>
+              <a:rPr lang="en-US" dirty="0" smtClean="0"/>
+              <a:t>switch – case - default</a:t>
+            </a:r>
+          </a:p>
+          <a:p>
+            <a:r>
+              <a:rPr lang="en-US" dirty="0" smtClean="0"/>
+              <a:t>while</a:t>
+            </a:r>
+          </a:p>
+          <a:p>
+            <a:r>
+              <a:rPr lang="en-US" dirty="0" smtClean="0"/>
+              <a:t>do</a:t>
+            </a:r>
+          </a:p>
+          <a:p>
+            <a:r>
+              <a:rPr lang="en-US" dirty="0" smtClean="0"/>
+              <a:t>for</a:t>
+            </a:r>
+          </a:p>
+          <a:p>
+            <a:r>
+              <a:rPr lang="en-US" dirty="0" smtClean="0"/>
+              <a:t>for…in</a:t>
+            </a:r>
           </a:p>
         </p:txBody>
       </p:sp>
     </p:spTree>
     <p:extLst>
       <p:ext uri="{BB962C8B-B14F-4D97-AF65-F5344CB8AC3E}">
-        <p14:creationId xmlns:p14="http://schemas.microsoft.com/office/powerpoint/2010/main" val="2032074703"/>
+        <p14:creationId xmlns:p14="http://schemas.microsoft.com/office/powerpoint/2010/main" val="3233511737"/>
       </p:ext>
     </p:extLst>
   </p:cSld>
@@ -3331,7 +3787,7 @@
           <a:p>
             <a:r>
               <a:rPr lang="en-US" dirty="0" smtClean="0"/>
-              <a:t>Objects</a:t>
+              <a:t>Arrays</a:t>
             </a:r>
             <a:endParaRPr lang="en-US" dirty="0"/>
           </a:p>
@@ -3350,66 +3806,46 @@
         <p:spPr/>
         <p:txBody>
           <a:bodyPr>
-            <a:normAutofit/>
+            <a:normAutofit fontScale="92500" lnSpcReduction="10000"/>
           </a:bodyPr>
           <a:lstStyle/>
           <a:p>
             <a:r>
               <a:rPr lang="en-US" dirty="0" smtClean="0"/>
-              <a:t>Everything in JavaScript is an object except primitive types.</a:t>
-            </a:r>
-          </a:p>
-          <a:p>
-            <a:r>
-              <a:rPr lang="en-US" dirty="0" smtClean="0"/>
-              <a:t>Collection of properties and functions</a:t>
-            </a:r>
-          </a:p>
-          <a:p>
-            <a:r>
-              <a:rPr lang="en-US" dirty="0" smtClean="0"/>
-              <a:t>New properties can be added on the fly</a:t>
-            </a:r>
-          </a:p>
-          <a:p>
-            <a:r>
-              <a:rPr lang="en-US" dirty="0" smtClean="0"/>
-              <a:t>Non existent properties returns undefined</a:t>
-            </a:r>
-            <a:endParaRPr lang="en-US" dirty="0"/>
+              <a:t>Used to store data in a list format</a:t>
+            </a:r>
+          </a:p>
+          <a:p>
+            <a:r>
+              <a:rPr lang="en-US" dirty="0" smtClean="0"/>
+              <a:t>Zero index based</a:t>
+            </a:r>
+          </a:p>
+          <a:p>
+            <a:r>
+              <a:rPr lang="en-US" dirty="0" smtClean="0"/>
+              <a:t>Length to get the count</a:t>
+            </a:r>
+          </a:p>
+          <a:p>
+            <a:r>
+              <a:rPr lang="en-US" dirty="0" smtClean="0"/>
+              <a:t>Unlike other programming languages it can contain items of different data types.</a:t>
+            </a:r>
           </a:p>
           <a:p>
             <a:pPr marL="0" indent="0">
               <a:buNone/>
             </a:pPr>
-            <a:r>
-              <a:rPr lang="en-US" sz="2000" dirty="0" err="1" smtClean="0"/>
-              <a:t>var</a:t>
-            </a:r>
-            <a:r>
-              <a:rPr lang="en-US" sz="2000" dirty="0" smtClean="0"/>
-              <a:t> customer = { </a:t>
-            </a:r>
+            <a:endParaRPr lang="da-DK" dirty="0"/>
           </a:p>
           <a:p>
             <a:pPr marL="0" indent="0">
               <a:buNone/>
             </a:pPr>
             <a:r>
-              <a:rPr lang="en-US" sz="2000" dirty="0"/>
-              <a:t>	</a:t>
-            </a:r>
-            <a:r>
-              <a:rPr lang="en-US" sz="2000" dirty="0" smtClean="0"/>
-              <a:t>	</a:t>
-            </a:r>
-            <a:r>
-              <a:rPr lang="en-US" sz="2000" dirty="0" err="1" smtClean="0"/>
-              <a:t>firstName</a:t>
-            </a:r>
-            <a:r>
-              <a:rPr lang="en-US" sz="2000" dirty="0" smtClean="0"/>
-              <a:t>: 'Prasad', </a:t>
+              <a:rPr lang="da-DK" dirty="0" smtClean="0"/>
+              <a:t>var numbers = [1, 2, 3, 4, 5, ”Red”,];</a:t>
             </a:r>
           </a:p>
           <a:p>
@@ -3417,54 +3853,32 @@
               <a:buNone/>
             </a:pPr>
             <a:r>
-              <a:rPr lang="en-US" sz="2000" dirty="0"/>
-              <a:t>	</a:t>
-            </a:r>
-            <a:r>
-              <a:rPr lang="en-US" sz="2000" dirty="0" smtClean="0"/>
-              <a:t>	</a:t>
-            </a:r>
-            <a:r>
-              <a:rPr lang="en-US" sz="2000" dirty="0" err="1" smtClean="0"/>
-              <a:t>lastName</a:t>
-            </a:r>
-            <a:r>
-              <a:rPr lang="en-US" sz="2000" dirty="0" smtClean="0"/>
-              <a:t>: ‘Honrao’,</a:t>
+              <a:rPr lang="da-DK" dirty="0" smtClean="0"/>
+              <a:t>console.log(numbers[4]);  //5</a:t>
             </a:r>
           </a:p>
           <a:p>
             <a:pPr marL="0" indent="0">
               <a:buNone/>
             </a:pPr>
-            <a:r>
-              <a:rPr lang="en-US" sz="2000" dirty="0"/>
-              <a:t>	</a:t>
-            </a:r>
-            <a:r>
-              <a:rPr lang="en-US" sz="2000" dirty="0" smtClean="0"/>
-              <a:t>	Age: '30' </a:t>
-            </a:r>
+            <a:endParaRPr lang="da-DK" dirty="0"/>
           </a:p>
           <a:p>
             <a:pPr marL="0" indent="0">
               <a:buNone/>
             </a:pPr>
             <a:r>
-              <a:rPr lang="en-US" sz="2000" dirty="0"/>
-              <a:t>	</a:t>
-            </a:r>
-            <a:r>
-              <a:rPr lang="en-US" sz="2000" dirty="0" smtClean="0"/>
-              <a:t>};</a:t>
-            </a:r>
+              <a:rPr lang="da-DK" dirty="0" smtClean="0"/>
+              <a:t>numbers.push(6); // appends item</a:t>
+            </a:r>
+            <a:endParaRPr lang="en-US" dirty="0" smtClean="0"/>
           </a:p>
         </p:txBody>
       </p:sp>
     </p:spTree>
     <p:extLst>
       <p:ext uri="{BB962C8B-B14F-4D97-AF65-F5344CB8AC3E}">
-        <p14:creationId xmlns:p14="http://schemas.microsoft.com/office/powerpoint/2010/main" val="695480752"/>
+        <p14:creationId xmlns:p14="http://schemas.microsoft.com/office/powerpoint/2010/main" val="2032074703"/>
       </p:ext>
     </p:extLst>
   </p:cSld>
@@ -3515,7 +3929,7 @@
           <a:p>
             <a:r>
               <a:rPr lang="en-US" dirty="0" smtClean="0"/>
-              <a:t>Objects with methods</a:t>
+              <a:t>Objects</a:t>
             </a:r>
             <a:endParaRPr lang="en-US" dirty="0"/>
           </a:p>
@@ -3534,16 +3948,45 @@
         <p:spPr/>
         <p:txBody>
           <a:bodyPr>
-            <a:normAutofit lnSpcReduction="10000"/>
+            <a:normAutofit/>
           </a:bodyPr>
           <a:lstStyle/>
           <a:p>
+            <a:r>
+              <a:rPr lang="en-US" dirty="0" smtClean="0"/>
+              <a:t>Everything in JavaScript is an object except primitive types.</a:t>
+            </a:r>
+          </a:p>
+          <a:p>
+            <a:r>
+              <a:rPr lang="en-US" dirty="0" smtClean="0"/>
+              <a:t>Collection of properties and functions</a:t>
+            </a:r>
+          </a:p>
+          <a:p>
+            <a:r>
+              <a:rPr lang="en-US" dirty="0" smtClean="0"/>
+              <a:t>New properties can be added on the fly</a:t>
+            </a:r>
+          </a:p>
+          <a:p>
+            <a:r>
+              <a:rPr lang="en-US" dirty="0" smtClean="0"/>
+              <a:t>Non existent properties returns undefined</a:t>
+            </a:r>
+            <a:endParaRPr lang="en-US" dirty="0"/>
+          </a:p>
+          <a:p>
             <a:pPr marL="0" indent="0">
               <a:buNone/>
             </a:pPr>
             <a:r>
-              <a:rPr lang="en-US" dirty="0" smtClean="0"/>
-              <a:t>// Object with single property and single function</a:t>
+              <a:rPr lang="en-US" sz="2000" dirty="0" err="1" smtClean="0"/>
+              <a:t>var</a:t>
+            </a:r>
+            <a:r>
+              <a:rPr lang="en-US" sz="2000" dirty="0" smtClean="0"/>
+              <a:t> customer = { </a:t>
             </a:r>
           </a:p>
           <a:p>
@@ -3551,12 +3994,20 @@
               <a:buNone/>
             </a:pPr>
             <a:r>
-              <a:rPr lang="en-US" dirty="0" err="1" smtClean="0"/>
-              <a:t>var</a:t>
-            </a:r>
-            <a:r>
-              <a:rPr lang="en-US" dirty="0" smtClean="0"/>
-              <a:t> customer = {</a:t>
+              <a:rPr lang="en-US" sz="2000" dirty="0"/>
+              <a:t>	</a:t>
+            </a:r>
+            <a:r>
+              <a:rPr lang="en-US" sz="2000" dirty="0" smtClean="0"/>
+              <a:t>	</a:t>
+            </a:r>
+            <a:r>
+              <a:rPr lang="en-US" sz="2000" dirty="0" err="1" smtClean="0"/>
+              <a:t>firstName</a:t>
+            </a:r>
+            <a:r>
+              <a:rPr lang="en-US" sz="2000" dirty="0" smtClean="0"/>
+              <a:t>: 'Prasad', </a:t>
             </a:r>
           </a:p>
           <a:p>
@@ -3564,8 +4015,20 @@
               <a:buNone/>
             </a:pPr>
             <a:r>
-              <a:rPr lang="en-US" dirty="0" smtClean="0"/>
-              <a:t>    name: "Prasad",</a:t>
+              <a:rPr lang="en-US" sz="2000" dirty="0"/>
+              <a:t>	</a:t>
+            </a:r>
+            <a:r>
+              <a:rPr lang="en-US" sz="2000" dirty="0" smtClean="0"/>
+              <a:t>	</a:t>
+            </a:r>
+            <a:r>
+              <a:rPr lang="en-US" sz="2000" dirty="0" err="1" smtClean="0"/>
+              <a:t>lastName</a:t>
+            </a:r>
+            <a:r>
+              <a:rPr lang="en-US" sz="2000" dirty="0" smtClean="0"/>
+              <a:t>: ‘Honrao’,</a:t>
             </a:r>
           </a:p>
           <a:p>
@@ -3573,16 +4036,12 @@
               <a:buNone/>
             </a:pPr>
             <a:r>
-              <a:rPr lang="en-US" dirty="0" smtClean="0"/>
-              <a:t>    Greet: function (</a:t>
-            </a:r>
-            <a:r>
-              <a:rPr lang="en-US" dirty="0" err="1" smtClean="0"/>
-              <a:t>userName</a:t>
-            </a:r>
-            <a:r>
-              <a:rPr lang="en-US" dirty="0" smtClean="0"/>
-              <a:t>) {</a:t>
+              <a:rPr lang="en-US" sz="2000" dirty="0"/>
+              <a:t>	</a:t>
+            </a:r>
+            <a:r>
+              <a:rPr lang="en-US" sz="2000" dirty="0" smtClean="0"/>
+              <a:t>	Age: '30' </a:t>
             </a:r>
           </a:p>
           <a:p>
@@ -3590,70 +4049,20 @@
               <a:buNone/>
             </a:pPr>
             <a:r>
-              <a:rPr lang="en-US" dirty="0" smtClean="0"/>
-              <a:t>        console.log("Hello " + </a:t>
-            </a:r>
-            <a:r>
-              <a:rPr lang="en-US" dirty="0" err="1" smtClean="0"/>
-              <a:t>userName</a:t>
-            </a:r>
-            <a:r>
-              <a:rPr lang="en-US" dirty="0" smtClean="0"/>
-              <a:t>);</a:t>
-            </a:r>
-          </a:p>
-          <a:p>
-            <a:pPr marL="0" indent="0">
-              <a:buNone/>
-            </a:pPr>
-            <a:r>
-              <a:rPr lang="en-US" dirty="0" smtClean="0"/>
-              <a:t>    }</a:t>
-            </a:r>
-          </a:p>
-          <a:p>
-            <a:pPr marL="0" indent="0">
-              <a:buNone/>
-            </a:pPr>
-            <a:r>
-              <a:rPr lang="en-US" dirty="0" smtClean="0"/>
-              <a:t>}</a:t>
-            </a:r>
-          </a:p>
-          <a:p>
-            <a:pPr marL="0" indent="0">
-              <a:buNone/>
-            </a:pPr>
-            <a:r>
-              <a:rPr lang="en-US" dirty="0" smtClean="0"/>
-              <a:t>console.log(customer.name);</a:t>
-            </a:r>
-          </a:p>
-          <a:p>
-            <a:pPr marL="0" indent="0">
-              <a:buNone/>
-            </a:pPr>
-            <a:r>
-              <a:rPr lang="en-US" dirty="0" err="1" smtClean="0"/>
-              <a:t>customer.Greet</a:t>
-            </a:r>
-            <a:r>
-              <a:rPr lang="en-US" dirty="0" smtClean="0"/>
-              <a:t>("Prasad");</a:t>
-            </a:r>
-          </a:p>
-          <a:p>
-            <a:pPr marL="0" indent="0">
-              <a:buNone/>
-            </a:pPr>
-            <a:endParaRPr lang="en-US" dirty="0" smtClean="0"/>
+              <a:rPr lang="en-US" sz="2000" dirty="0"/>
+              <a:t>	</a:t>
+            </a:r>
+            <a:r>
+              <a:rPr lang="en-US" sz="2000" dirty="0" smtClean="0"/>
+              <a:t>};</a:t>
+            </a:r>
           </a:p>
         </p:txBody>
       </p:sp>
     </p:spTree>
     <p:extLst>
       <p:ext uri="{BB962C8B-B14F-4D97-AF65-F5344CB8AC3E}">
-        <p14:creationId xmlns:p14="http://schemas.microsoft.com/office/powerpoint/2010/main" val="366489090"/>
+        <p14:creationId xmlns:p14="http://schemas.microsoft.com/office/powerpoint/2010/main" val="695480752"/>
       </p:ext>
     </p:extLst>
   </p:cSld>
@@ -3704,7 +4113,7 @@
           <a:p>
             <a:r>
               <a:rPr lang="en-US" dirty="0" smtClean="0"/>
-              <a:t>Equality : == X ===</a:t>
+              <a:t>Objects with methods</a:t>
             </a:r>
             <a:endParaRPr lang="en-US" dirty="0"/>
           </a:p>
@@ -3722,8 +4131,115 @@
         </p:nvSpPr>
         <p:spPr/>
         <p:txBody>
-          <a:bodyPr/>
-          <a:lstStyle/>
+          <a:bodyPr>
+            <a:normAutofit lnSpcReduction="10000"/>
+          </a:bodyPr>
+          <a:lstStyle/>
+          <a:p>
+            <a:pPr marL="0" indent="0">
+              <a:buNone/>
+            </a:pPr>
+            <a:r>
+              <a:rPr lang="en-US" dirty="0" smtClean="0"/>
+              <a:t>// Object with single property and single function</a:t>
+            </a:r>
+          </a:p>
+          <a:p>
+            <a:pPr marL="0" indent="0">
+              <a:buNone/>
+            </a:pPr>
+            <a:r>
+              <a:rPr lang="en-US" dirty="0" err="1" smtClean="0"/>
+              <a:t>var</a:t>
+            </a:r>
+            <a:r>
+              <a:rPr lang="en-US" dirty="0" smtClean="0"/>
+              <a:t> customer = {</a:t>
+            </a:r>
+          </a:p>
+          <a:p>
+            <a:pPr marL="0" indent="0">
+              <a:buNone/>
+            </a:pPr>
+            <a:r>
+              <a:rPr lang="en-US" dirty="0" smtClean="0"/>
+              <a:t>    name: "Prasad",</a:t>
+            </a:r>
+          </a:p>
+          <a:p>
+            <a:pPr marL="0" indent="0">
+              <a:buNone/>
+            </a:pPr>
+            <a:r>
+              <a:rPr lang="en-US" dirty="0" smtClean="0"/>
+              <a:t>    Greet: function (</a:t>
+            </a:r>
+            <a:r>
+              <a:rPr lang="en-US" dirty="0" err="1" smtClean="0"/>
+              <a:t>userName</a:t>
+            </a:r>
+            <a:r>
+              <a:rPr lang="en-US" dirty="0" smtClean="0"/>
+              <a:t>) {</a:t>
+            </a:r>
+          </a:p>
+          <a:p>
+            <a:pPr marL="0" indent="0">
+              <a:buNone/>
+            </a:pPr>
+            <a:r>
+              <a:rPr lang="en-US" dirty="0" smtClean="0"/>
+              <a:t>        console.log("Hello " + </a:t>
+            </a:r>
+            <a:r>
+              <a:rPr lang="en-US" dirty="0" err="1" smtClean="0"/>
+              <a:t>userName</a:t>
+            </a:r>
+            <a:r>
+              <a:rPr lang="en-US" dirty="0" smtClean="0"/>
+              <a:t>);</a:t>
+            </a:r>
+          </a:p>
+          <a:p>
+            <a:pPr marL="0" indent="0">
+              <a:buNone/>
+            </a:pPr>
+            <a:r>
+              <a:rPr lang="en-US" dirty="0" smtClean="0"/>
+              <a:t>    }</a:t>
+            </a:r>
+          </a:p>
+          <a:p>
+            <a:pPr marL="0" indent="0">
+              <a:buNone/>
+            </a:pPr>
+            <a:r>
+              <a:rPr lang="en-US" dirty="0" smtClean="0"/>
+              <a:t>}</a:t>
+            </a:r>
+          </a:p>
+          <a:p>
+            <a:pPr marL="0" indent="0">
+              <a:buNone/>
+            </a:pPr>
+            <a:r>
+              <a:rPr lang="en-US" dirty="0" smtClean="0"/>
+              <a:t>console.log(customer.name);</a:t>
+            </a:r>
+          </a:p>
+          <a:p>
+            <a:pPr marL="0" indent="0">
+              <a:buNone/>
+            </a:pPr>
+            <a:r>
+              <a:rPr lang="en-US" dirty="0" err="1" smtClean="0"/>
+              <a:t>customer.Greet</a:t>
+            </a:r>
+            <a:r>
+              <a:rPr lang="en-US" dirty="0" smtClean="0"/>
+              <a:t>("Prasad");</a:t>
+            </a:r>
+          </a:p>
           <a:p>
             <a:pPr marL="0" indent="0">
               <a:buNone/>
@@ -3735,7 +4251,7 @@
     </p:spTree>
     <p:extLst>
       <p:ext uri="{BB962C8B-B14F-4D97-AF65-F5344CB8AC3E}">
-        <p14:creationId xmlns:p14="http://schemas.microsoft.com/office/powerpoint/2010/main" val="2010334055"/>
+        <p14:creationId xmlns:p14="http://schemas.microsoft.com/office/powerpoint/2010/main" val="366489090"/>
       </p:ext>
     </p:extLst>
   </p:cSld>
@@ -3786,7 +4302,7 @@
           <a:p>
             <a:r>
               <a:rPr lang="en-US" dirty="0" smtClean="0"/>
-              <a:t>Functions</a:t>
+              <a:t>Equality : == X ===</a:t>
             </a:r>
             <a:endParaRPr lang="en-US" dirty="0"/>
           </a:p>
@@ -3804,106 +4320,20 @@
         </p:nvSpPr>
         <p:spPr/>
         <p:txBody>
-          <a:bodyPr>
-            <a:normAutofit fontScale="55000" lnSpcReduction="20000"/>
-          </a:bodyPr>
-          <a:lstStyle/>
-          <a:p>
-            <a:r>
-              <a:rPr lang="en-US" dirty="0" smtClean="0"/>
-              <a:t>Function Declaration</a:t>
-            </a:r>
-          </a:p>
-          <a:p>
-            <a:r>
-              <a:rPr lang="en-US" dirty="0" smtClean="0"/>
-              <a:t>Function Expression</a:t>
-            </a:r>
-          </a:p>
-          <a:p>
-            <a:r>
-              <a:rPr lang="en-US" dirty="0" smtClean="0"/>
-              <a:t>Anonymous Functions</a:t>
-            </a:r>
-          </a:p>
-          <a:p>
-            <a:r>
-              <a:rPr lang="en-US" dirty="0" smtClean="0"/>
-              <a:t>IIFE	</a:t>
-            </a:r>
-          </a:p>
-          <a:p>
-            <a:r>
-              <a:rPr lang="en-US" dirty="0" smtClean="0"/>
-              <a:t>Local and Global Scope</a:t>
-            </a:r>
-          </a:p>
-          <a:p>
-            <a:r>
-              <a:rPr lang="en-US" dirty="0" smtClean="0"/>
-              <a:t>Hoisting!!!</a:t>
-            </a:r>
-          </a:p>
-          <a:p>
-            <a:r>
-              <a:rPr lang="en-US" dirty="0" smtClean="0"/>
-              <a:t>Function Constructor aka Class</a:t>
-            </a:r>
-          </a:p>
-          <a:p>
-            <a:r>
-              <a:rPr lang="en-US" dirty="0" smtClean="0"/>
-              <a:t>Overloading</a:t>
-            </a:r>
-          </a:p>
-          <a:p>
-            <a:r>
-              <a:rPr lang="en-US" dirty="0" smtClean="0"/>
-              <a:t>Parameter Passing</a:t>
-            </a:r>
-          </a:p>
-          <a:p>
-            <a:r>
-              <a:rPr lang="en-US" dirty="0" smtClean="0"/>
-              <a:t>Recursion</a:t>
-            </a:r>
-          </a:p>
-          <a:p>
-            <a:r>
-              <a:rPr lang="en-US" dirty="0" smtClean="0"/>
-              <a:t>Closure</a:t>
-            </a:r>
-          </a:p>
-          <a:p>
-            <a:r>
-              <a:rPr lang="en-US" dirty="0" smtClean="0"/>
-              <a:t>Nested Functions</a:t>
-            </a:r>
-          </a:p>
-          <a:p>
-            <a:r>
-              <a:rPr lang="en-US" dirty="0" smtClean="0"/>
-              <a:t>Callback Functions</a:t>
-            </a:r>
-          </a:p>
-          <a:p>
-            <a:r>
-              <a:rPr lang="en-US" dirty="0" smtClean="0"/>
-              <a:t>Namespaces</a:t>
-            </a:r>
-          </a:p>
-          <a:p>
-            <a:r>
-              <a:rPr lang="en-US" dirty="0" smtClean="0"/>
-              <a:t>Higher Order Functions</a:t>
-            </a:r>
+          <a:bodyPr/>
+          <a:lstStyle/>
+          <a:p>
+            <a:pPr marL="0" indent="0">
+              <a:buNone/>
+            </a:pPr>
+            <a:endParaRPr lang="en-US" dirty="0" smtClean="0"/>
           </a:p>
         </p:txBody>
       </p:sp>
     </p:spTree>
     <p:extLst>
       <p:ext uri="{BB962C8B-B14F-4D97-AF65-F5344CB8AC3E}">
-        <p14:creationId xmlns:p14="http://schemas.microsoft.com/office/powerpoint/2010/main" val="1152988581"/>
+        <p14:creationId xmlns:p14="http://schemas.microsoft.com/office/powerpoint/2010/main" val="2010334055"/>
       </p:ext>
     </p:extLst>
   </p:cSld>
@@ -3954,7 +4384,7 @@
           <a:p>
             <a:r>
               <a:rPr lang="en-US" dirty="0" smtClean="0"/>
-              <a:t>Object Oriented Concepts</a:t>
+              <a:t>Functions</a:t>
             </a:r>
             <a:endParaRPr lang="en-US" dirty="0"/>
           </a:p>
@@ -3973,18 +4403,979 @@
         <p:spPr/>
         <p:txBody>
           <a:bodyPr>
-            <a:normAutofit/>
+            <a:normAutofit fontScale="40000" lnSpcReduction="20000"/>
           </a:bodyPr>
           <a:lstStyle/>
           <a:p>
+            <a:r>
+              <a:rPr lang="en-US" dirty="0" smtClean="0"/>
+              <a:t>Function Declaration</a:t>
+            </a:r>
+          </a:p>
+          <a:p>
+            <a:r>
+              <a:rPr lang="en-US" dirty="0" smtClean="0"/>
+              <a:t>Local and Global </a:t>
+            </a:r>
+            <a:r>
+              <a:rPr lang="en-US" dirty="0" smtClean="0"/>
+              <a:t>Scope</a:t>
+            </a:r>
+          </a:p>
+          <a:p>
+            <a:pPr lvl="1"/>
+            <a:r>
+              <a:rPr lang="en-US" dirty="0" smtClean="0"/>
+              <a:t>Lexical scope [find someone in the building floor by floor]</a:t>
+            </a:r>
+          </a:p>
+          <a:p>
+            <a:pPr lvl="1"/>
+            <a:r>
+              <a:rPr lang="en-US" dirty="0" smtClean="0"/>
+              <a:t>Dynamic scope [find someone in the downtime building by building]</a:t>
+            </a:r>
             <a:endParaRPr lang="en-US" dirty="0" smtClean="0"/>
           </a:p>
-        </p:txBody>
-      </p:sp>
+          <a:p>
+            <a:r>
+              <a:rPr lang="en-US" dirty="0" smtClean="0"/>
+              <a:t>arguments reserve word</a:t>
+            </a:r>
+          </a:p>
+          <a:p>
+            <a:r>
+              <a:rPr lang="en-US" dirty="0" smtClean="0"/>
+              <a:t>Overloading</a:t>
+            </a:r>
+          </a:p>
+          <a:p>
+            <a:r>
+              <a:rPr lang="en-US" dirty="0" smtClean="0"/>
+              <a:t>Parameter Passing</a:t>
+            </a:r>
+          </a:p>
+          <a:p>
+            <a:r>
+              <a:rPr lang="en-US" dirty="0" smtClean="0"/>
+              <a:t>Function Expression</a:t>
+            </a:r>
+          </a:p>
+          <a:p>
+            <a:r>
+              <a:rPr lang="en-US" dirty="0" smtClean="0"/>
+              <a:t>Anonymous Functions</a:t>
+            </a:r>
+          </a:p>
+          <a:p>
+            <a:r>
+              <a:rPr lang="en-US" dirty="0" smtClean="0"/>
+              <a:t>IIFE	</a:t>
+            </a:r>
+          </a:p>
+          <a:p>
+            <a:r>
+              <a:rPr lang="en-US" dirty="0" smtClean="0"/>
+              <a:t>Hoisting!!!</a:t>
+            </a:r>
+          </a:p>
+          <a:p>
+            <a:r>
+              <a:rPr lang="en-US" dirty="0" smtClean="0"/>
+              <a:t>Function Constructor aka Class</a:t>
+            </a:r>
+          </a:p>
+          <a:p>
+            <a:r>
+              <a:rPr lang="en-US" dirty="0" smtClean="0"/>
+              <a:t>Recursion</a:t>
+            </a:r>
+          </a:p>
+          <a:p>
+            <a:r>
+              <a:rPr lang="en-US" dirty="0" smtClean="0"/>
+              <a:t>Closure</a:t>
+            </a:r>
+          </a:p>
+          <a:p>
+            <a:r>
+              <a:rPr lang="en-US" dirty="0" smtClean="0"/>
+              <a:t>Nested Functions</a:t>
+            </a:r>
+          </a:p>
+          <a:p>
+            <a:r>
+              <a:rPr lang="en-US" dirty="0" smtClean="0"/>
+              <a:t>Callback Functions</a:t>
+            </a:r>
+          </a:p>
+          <a:p>
+            <a:r>
+              <a:rPr lang="en-US" dirty="0" smtClean="0"/>
+              <a:t>Namespaces</a:t>
+            </a:r>
+          </a:p>
+          <a:p>
+            <a:r>
+              <a:rPr lang="en-US" dirty="0" smtClean="0"/>
+              <a:t>Higher Order Functions</a:t>
+            </a:r>
+          </a:p>
+        </p:txBody>
+      </p:sp>
+    </p:spTree>
+    <p:extLst>
+      <p:ext uri="{BB962C8B-B14F-4D97-AF65-F5344CB8AC3E}">
+        <p14:creationId xmlns:p14="http://schemas.microsoft.com/office/powerpoint/2010/main" val="1152988581"/>
+      </p:ext>
+    </p:extLst>
+  </p:cSld>
+  <p:clrMapOvr>
+    <a:masterClrMapping/>
+  </p:clrMapOvr>
+  <p:timing>
+    <p:tnLst>
+      <p:par>
+        <p:cTn id="1" dur="indefinite" restart="never" nodeType="tmRoot"/>
+      </p:par>
+    </p:tnLst>
+  </p:timing>
+</p:sld>
+</file>
+
+<file path=ppt/slides/slide17.xml><?xml version="1.0" encoding="utf-8"?>
+<p:sld xmlns:a="http://schemas.openxmlformats.org/drawingml/2006/main" xmlns:r="http://schemas.openxmlformats.org/officeDocument/2006/relationships" xmlns:p="http://schemas.openxmlformats.org/presentationml/2006/main">
+  <p:cSld>
+    <p:spTree>
+      <p:nvGrpSpPr>
+        <p:cNvPr id="1" name=""/>
+        <p:cNvGrpSpPr/>
+        <p:nvPr/>
+      </p:nvGrpSpPr>
+      <p:grpSpPr>
+        <a:xfrm>
+          <a:off x="0" y="0"/>
+          <a:ext cx="0" cy="0"/>
+          <a:chOff x="0" y="0"/>
+          <a:chExt cx="0" cy="0"/>
+        </a:xfrm>
+      </p:grpSpPr>
+      <p:sp>
+        <p:nvSpPr>
+          <p:cNvPr id="2" name="Title 1"/>
+          <p:cNvSpPr>
+            <a:spLocks noGrp="1"/>
+          </p:cNvSpPr>
+          <p:nvPr>
+            <p:ph type="title"/>
+          </p:nvPr>
+        </p:nvSpPr>
+        <p:spPr/>
+        <p:txBody>
+          <a:bodyPr/>
+          <a:lstStyle/>
+          <a:p>
+            <a:r>
+              <a:rPr lang="en-US" dirty="0" smtClean="0"/>
+              <a:t>Language Comparison</a:t>
+            </a:r>
+            <a:endParaRPr lang="en-US" dirty="0"/>
+          </a:p>
+        </p:txBody>
+      </p:sp>
+      <p:graphicFrame>
+        <p:nvGraphicFramePr>
+          <p:cNvPr id="4" name="Content Placeholder 3"/>
+          <p:cNvGraphicFramePr>
+            <a:graphicFrameLocks noGrp="1"/>
+          </p:cNvGraphicFramePr>
+          <p:nvPr>
+            <p:ph idx="1"/>
+            <p:extLst>
+              <p:ext uri="{D42A27DB-BD31-4B8C-83A1-F6EECF244321}">
+                <p14:modId xmlns:p14="http://schemas.microsoft.com/office/powerpoint/2010/main" val="3306745490"/>
+              </p:ext>
+            </p:extLst>
+          </p:nvPr>
+        </p:nvGraphicFramePr>
+        <p:xfrm>
+          <a:off x="838200" y="1825625"/>
+          <a:ext cx="10515600" cy="4820920"/>
+        </p:xfrm>
+        <a:graphic>
+          <a:graphicData uri="http://schemas.openxmlformats.org/drawingml/2006/table">
+            <a:tbl>
+              <a:tblPr firstRow="1" bandRow="1">
+                <a:tableStyleId>{5C22544A-7EE6-4342-B048-85BDC9FD1C3A}</a:tableStyleId>
+              </a:tblPr>
+              <a:tblGrid>
+                <a:gridCol w="5257800"/>
+                <a:gridCol w="5257800"/>
+              </a:tblGrid>
+              <a:tr h="370840">
+                <a:tc>
+                  <a:txBody>
+                    <a:bodyPr/>
+                    <a:lstStyle/>
+                    <a:p>
+                      <a:pPr algn="ctr"/>
+                      <a:r>
+                        <a:rPr lang="en-US" dirty="0" smtClean="0"/>
+                        <a:t>C#</a:t>
+                      </a:r>
+                      <a:endParaRPr lang="en-US" dirty="0"/>
+                    </a:p>
+                  </a:txBody>
+                  <a:tcPr/>
+                </a:tc>
+                <a:tc>
+                  <a:txBody>
+                    <a:bodyPr/>
+                    <a:lstStyle/>
+                    <a:p>
+                      <a:pPr algn="ctr"/>
+                      <a:r>
+                        <a:rPr lang="en-US" dirty="0" smtClean="0"/>
+                        <a:t>JavaScript</a:t>
+                      </a:r>
+                      <a:endParaRPr lang="en-US" dirty="0"/>
+                    </a:p>
+                  </a:txBody>
+                  <a:tcPr/>
+                </a:tc>
+              </a:tr>
+              <a:tr h="370840">
+                <a:tc>
+                  <a:txBody>
+                    <a:bodyPr/>
+                    <a:lstStyle/>
+                    <a:p>
+                      <a:r>
+                        <a:rPr lang="en-US" dirty="0" smtClean="0"/>
+                        <a:t>Strongly</a:t>
+                      </a:r>
+                      <a:r>
+                        <a:rPr lang="en-US" baseline="0" dirty="0" smtClean="0"/>
+                        <a:t> Typed</a:t>
+                      </a:r>
+                      <a:endParaRPr lang="en-US" dirty="0"/>
+                    </a:p>
+                  </a:txBody>
+                  <a:tcPr/>
+                </a:tc>
+                <a:tc>
+                  <a:txBody>
+                    <a:bodyPr/>
+                    <a:lstStyle/>
+                    <a:p>
+                      <a:r>
+                        <a:rPr lang="en-US" dirty="0" smtClean="0"/>
+                        <a:t>Loosely</a:t>
+                      </a:r>
+                      <a:r>
+                        <a:rPr lang="en-US" baseline="0" dirty="0" smtClean="0"/>
+                        <a:t> Typed</a:t>
+                      </a:r>
+                      <a:endParaRPr lang="en-US" dirty="0"/>
+                    </a:p>
+                  </a:txBody>
+                  <a:tcPr/>
+                </a:tc>
+              </a:tr>
+              <a:tr h="370840">
+                <a:tc>
+                  <a:txBody>
+                    <a:bodyPr/>
+                    <a:lstStyle/>
+                    <a:p>
+                      <a:r>
+                        <a:rPr lang="en-US" dirty="0" smtClean="0"/>
+                        <a:t>Static *</a:t>
+                      </a:r>
+                      <a:endParaRPr lang="en-US" dirty="0"/>
+                    </a:p>
+                  </a:txBody>
+                  <a:tcPr/>
+                </a:tc>
+                <a:tc>
+                  <a:txBody>
+                    <a:bodyPr/>
+                    <a:lstStyle/>
+                    <a:p>
+                      <a:r>
+                        <a:rPr lang="en-US" dirty="0" smtClean="0"/>
+                        <a:t>Dynamic</a:t>
+                      </a:r>
+                      <a:endParaRPr lang="en-US" dirty="0"/>
+                    </a:p>
+                  </a:txBody>
+                  <a:tcPr/>
+                </a:tc>
+              </a:tr>
+              <a:tr h="370840">
+                <a:tc>
+                  <a:txBody>
+                    <a:bodyPr/>
+                    <a:lstStyle/>
+                    <a:p>
+                      <a:r>
+                        <a:rPr lang="en-US" dirty="0" smtClean="0"/>
+                        <a:t>Classical Inheritance</a:t>
+                      </a:r>
+                      <a:endParaRPr lang="en-US" dirty="0"/>
+                    </a:p>
+                  </a:txBody>
+                  <a:tcPr/>
+                </a:tc>
+                <a:tc>
+                  <a:txBody>
+                    <a:bodyPr/>
+                    <a:lstStyle/>
+                    <a:p>
+                      <a:r>
+                        <a:rPr lang="en-US" dirty="0" smtClean="0"/>
+                        <a:t>Prototypal</a:t>
+                      </a:r>
+                      <a:endParaRPr lang="en-US" dirty="0"/>
+                    </a:p>
+                  </a:txBody>
+                  <a:tcPr/>
+                </a:tc>
+              </a:tr>
+              <a:tr h="370840">
+                <a:tc>
+                  <a:txBody>
+                    <a:bodyPr/>
+                    <a:lstStyle/>
+                    <a:p>
+                      <a:r>
+                        <a:rPr lang="en-US" dirty="0" smtClean="0"/>
+                        <a:t>Classes</a:t>
+                      </a:r>
+                      <a:endParaRPr lang="en-US" dirty="0"/>
+                    </a:p>
+                  </a:txBody>
+                  <a:tcPr/>
+                </a:tc>
+                <a:tc>
+                  <a:txBody>
+                    <a:bodyPr/>
+                    <a:lstStyle/>
+                    <a:p>
+                      <a:r>
+                        <a:rPr lang="en-US" dirty="0" smtClean="0"/>
+                        <a:t>Functions</a:t>
+                      </a:r>
+                      <a:endParaRPr lang="en-US" dirty="0"/>
+                    </a:p>
+                  </a:txBody>
+                  <a:tcPr/>
+                </a:tc>
+              </a:tr>
+              <a:tr h="370840">
+                <a:tc>
+                  <a:txBody>
+                    <a:bodyPr/>
+                    <a:lstStyle/>
+                    <a:p>
+                      <a:r>
+                        <a:rPr lang="en-US" dirty="0" smtClean="0"/>
+                        <a:t>Constructors</a:t>
+                      </a:r>
+                      <a:endParaRPr lang="en-US" dirty="0"/>
+                    </a:p>
+                  </a:txBody>
+                  <a:tcPr/>
+                </a:tc>
+                <a:tc>
+                  <a:txBody>
+                    <a:bodyPr/>
+                    <a:lstStyle/>
+                    <a:p>
+                      <a:r>
+                        <a:rPr lang="en-US" dirty="0" smtClean="0"/>
+                        <a:t>Functions</a:t>
+                      </a:r>
+                      <a:endParaRPr lang="en-US" dirty="0"/>
+                    </a:p>
+                  </a:txBody>
+                  <a:tcPr/>
+                </a:tc>
+              </a:tr>
+              <a:tr h="370840">
+                <a:tc>
+                  <a:txBody>
+                    <a:bodyPr/>
+                    <a:lstStyle/>
+                    <a:p>
+                      <a:r>
+                        <a:rPr lang="en-US" dirty="0" smtClean="0"/>
+                        <a:t>Methods</a:t>
+                      </a:r>
+                      <a:endParaRPr lang="en-US" dirty="0"/>
+                    </a:p>
+                  </a:txBody>
+                  <a:tcPr/>
+                </a:tc>
+                <a:tc>
+                  <a:txBody>
+                    <a:bodyPr/>
+                    <a:lstStyle/>
+                    <a:p>
+                      <a:r>
+                        <a:rPr lang="en-US" dirty="0" smtClean="0"/>
+                        <a:t>Functions</a:t>
+                      </a:r>
+                      <a:endParaRPr lang="en-US" dirty="0"/>
+                    </a:p>
+                  </a:txBody>
+                  <a:tcPr/>
+                </a:tc>
+              </a:tr>
+              <a:tr h="370840">
+                <a:tc>
+                  <a:txBody>
+                    <a:bodyPr/>
+                    <a:lstStyle/>
+                    <a:p>
+                      <a:r>
+                        <a:rPr lang="en-US" dirty="0" smtClean="0"/>
+                        <a:t>Delegates</a:t>
+                      </a:r>
+                      <a:endParaRPr lang="en-US" dirty="0"/>
+                    </a:p>
+                  </a:txBody>
+                  <a:tcPr/>
+                </a:tc>
+                <a:tc>
+                  <a:txBody>
+                    <a:bodyPr/>
+                    <a:lstStyle/>
+                    <a:p>
+                      <a:r>
+                        <a:rPr lang="en-US" dirty="0" smtClean="0"/>
+                        <a:t>Functions</a:t>
+                      </a:r>
+                      <a:endParaRPr lang="en-US" dirty="0"/>
+                    </a:p>
+                  </a:txBody>
+                  <a:tcPr/>
+                </a:tc>
+              </a:tr>
+              <a:tr h="370840">
+                <a:tc>
+                  <a:txBody>
+                    <a:bodyPr/>
+                    <a:lstStyle/>
+                    <a:p>
+                      <a:r>
+                        <a:rPr lang="en-US" dirty="0" smtClean="0"/>
+                        <a:t>Runs in</a:t>
+                      </a:r>
+                      <a:r>
+                        <a:rPr lang="en-US" baseline="0" dirty="0" smtClean="0"/>
+                        <a:t> .NET environment [CLR]</a:t>
+                      </a:r>
+                      <a:endParaRPr lang="en-US" dirty="0"/>
+                    </a:p>
+                  </a:txBody>
+                  <a:tcPr/>
+                </a:tc>
+                <a:tc>
+                  <a:txBody>
+                    <a:bodyPr/>
+                    <a:lstStyle/>
+                    <a:p>
+                      <a:r>
+                        <a:rPr lang="en-US" dirty="0" smtClean="0"/>
+                        <a:t>Browsers</a:t>
+                      </a:r>
+                      <a:r>
+                        <a:rPr lang="en-US" baseline="0" dirty="0" smtClean="0"/>
+                        <a:t> / Node</a:t>
+                      </a:r>
+                      <a:endParaRPr lang="en-US" dirty="0"/>
+                    </a:p>
+                  </a:txBody>
+                  <a:tcPr/>
+                </a:tc>
+              </a:tr>
+              <a:tr h="370840">
+                <a:tc>
+                  <a:txBody>
+                    <a:bodyPr/>
+                    <a:lstStyle/>
+                    <a:p>
+                      <a:r>
+                        <a:rPr lang="en-US" dirty="0" smtClean="0"/>
+                        <a:t>Protected Members</a:t>
+                      </a:r>
+                      <a:endParaRPr lang="en-US" dirty="0"/>
+                    </a:p>
+                  </a:txBody>
+                  <a:tcPr/>
+                </a:tc>
+                <a:tc>
+                  <a:txBody>
+                    <a:bodyPr/>
+                    <a:lstStyle/>
+                    <a:p>
+                      <a:r>
+                        <a:rPr lang="en-US" dirty="0" smtClean="0"/>
+                        <a:t>Not supported</a:t>
+                      </a:r>
+                      <a:endParaRPr lang="en-US" dirty="0"/>
+                    </a:p>
+                  </a:txBody>
+                  <a:tcPr/>
+                </a:tc>
+              </a:tr>
+              <a:tr h="370840">
+                <a:tc>
+                  <a:txBody>
+                    <a:bodyPr/>
+                    <a:lstStyle/>
+                    <a:p>
+                      <a:r>
+                        <a:rPr lang="en-US" dirty="0" smtClean="0"/>
+                        <a:t>Supports</a:t>
+                      </a:r>
+                      <a:r>
+                        <a:rPr lang="en-US" baseline="0" dirty="0" smtClean="0"/>
+                        <a:t> function overloading</a:t>
+                      </a:r>
+                      <a:endParaRPr lang="en-US" dirty="0"/>
+                    </a:p>
+                  </a:txBody>
+                  <a:tcPr/>
+                </a:tc>
+                <a:tc>
+                  <a:txBody>
+                    <a:bodyPr/>
+                    <a:lstStyle/>
+                    <a:p>
+                      <a:r>
+                        <a:rPr lang="en-US" dirty="0" smtClean="0"/>
+                        <a:t>No</a:t>
+                      </a:r>
+                      <a:endParaRPr lang="en-US" dirty="0"/>
+                    </a:p>
+                  </a:txBody>
+                  <a:tcPr/>
+                </a:tc>
+              </a:tr>
+              <a:tr h="370840">
+                <a:tc>
+                  <a:txBody>
+                    <a:bodyPr/>
+                    <a:lstStyle/>
+                    <a:p>
+                      <a:r>
+                        <a:rPr lang="en-US" dirty="0" smtClean="0"/>
+                        <a:t>Supports</a:t>
+                      </a:r>
+                      <a:r>
+                        <a:rPr lang="en-US" baseline="0" dirty="0" smtClean="0"/>
+                        <a:t> Interfaces</a:t>
+                      </a:r>
+                      <a:endParaRPr lang="en-US" dirty="0"/>
+                    </a:p>
+                  </a:txBody>
+                  <a:tcPr/>
+                </a:tc>
+                <a:tc>
+                  <a:txBody>
+                    <a:bodyPr/>
+                    <a:lstStyle/>
+                    <a:p>
+                      <a:r>
+                        <a:rPr lang="en-US" dirty="0" smtClean="0"/>
+                        <a:t>No [Duck</a:t>
+                      </a:r>
+                      <a:r>
+                        <a:rPr lang="en-US" baseline="0" dirty="0" smtClean="0"/>
+                        <a:t> Typing]</a:t>
+                      </a:r>
+                      <a:endParaRPr lang="en-US" dirty="0"/>
+                    </a:p>
+                  </a:txBody>
+                  <a:tcPr/>
+                </a:tc>
+              </a:tr>
+              <a:tr h="370840">
+                <a:tc>
+                  <a:txBody>
+                    <a:bodyPr/>
+                    <a:lstStyle/>
+                    <a:p>
+                      <a:endParaRPr lang="en-US" dirty="0"/>
+                    </a:p>
+                  </a:txBody>
+                  <a:tcPr/>
+                </a:tc>
+                <a:tc>
+                  <a:txBody>
+                    <a:bodyPr/>
+                    <a:lstStyle/>
+                    <a:p>
+                      <a:endParaRPr lang="en-US" dirty="0"/>
+                    </a:p>
+                  </a:txBody>
+                  <a:tcPr/>
+                </a:tc>
+              </a:tr>
+            </a:tbl>
+          </a:graphicData>
+        </a:graphic>
+      </p:graphicFrame>
     </p:spTree>
     <p:extLst>
       <p:ext uri="{BB962C8B-B14F-4D97-AF65-F5344CB8AC3E}">
         <p14:creationId xmlns:p14="http://schemas.microsoft.com/office/powerpoint/2010/main" val="3377570017"/>
+      </p:ext>
+    </p:extLst>
+  </p:cSld>
+  <p:clrMapOvr>
+    <a:masterClrMapping/>
+  </p:clrMapOvr>
+  <p:timing>
+    <p:tnLst>
+      <p:par>
+        <p:cTn id="1" dur="indefinite" restart="never" nodeType="tmRoot"/>
+      </p:par>
+    </p:tnLst>
+  </p:timing>
+</p:sld>
+</file>
+
+<file path=ppt/slides/slide18.xml><?xml version="1.0" encoding="utf-8"?>
+<p:sld xmlns:a="http://schemas.openxmlformats.org/drawingml/2006/main" xmlns:r="http://schemas.openxmlformats.org/officeDocument/2006/relationships" xmlns:p="http://schemas.openxmlformats.org/presentationml/2006/main">
+  <p:cSld>
+    <p:spTree>
+      <p:nvGrpSpPr>
+        <p:cNvPr id="1" name=""/>
+        <p:cNvGrpSpPr/>
+        <p:nvPr/>
+      </p:nvGrpSpPr>
+      <p:grpSpPr>
+        <a:xfrm>
+          <a:off x="0" y="0"/>
+          <a:ext cx="0" cy="0"/>
+          <a:chOff x="0" y="0"/>
+          <a:chExt cx="0" cy="0"/>
+        </a:xfrm>
+      </p:grpSpPr>
+      <p:sp>
+        <p:nvSpPr>
+          <p:cNvPr id="2" name="Title 1"/>
+          <p:cNvSpPr>
+            <a:spLocks noGrp="1"/>
+          </p:cNvSpPr>
+          <p:nvPr>
+            <p:ph type="title"/>
+          </p:nvPr>
+        </p:nvSpPr>
+        <p:spPr/>
+        <p:txBody>
+          <a:bodyPr/>
+          <a:lstStyle/>
+          <a:p>
+            <a:r>
+              <a:rPr lang="en-US" dirty="0" smtClean="0"/>
+              <a:t>Static VS Dynamic</a:t>
+            </a:r>
+            <a:endParaRPr lang="en-US" dirty="0"/>
+          </a:p>
+        </p:txBody>
+      </p:sp>
+      <p:sp>
+        <p:nvSpPr>
+          <p:cNvPr id="3" name="Content Placeholder 2"/>
+          <p:cNvSpPr>
+            <a:spLocks noGrp="1"/>
+          </p:cNvSpPr>
+          <p:nvPr>
+            <p:ph idx="1"/>
+          </p:nvPr>
+        </p:nvSpPr>
+        <p:spPr/>
+        <p:txBody>
+          <a:bodyPr/>
+          <a:lstStyle/>
+          <a:p>
+            <a:pPr marL="0" indent="0">
+              <a:buNone/>
+            </a:pPr>
+            <a:r>
+              <a:rPr lang="en-US" dirty="0" err="1" smtClean="0"/>
+              <a:t>var</a:t>
+            </a:r>
+            <a:r>
+              <a:rPr lang="en-US" dirty="0" smtClean="0"/>
+              <a:t> </a:t>
+            </a:r>
+            <a:r>
+              <a:rPr lang="en-US" dirty="0" err="1" smtClean="0"/>
+              <a:t>cust</a:t>
+            </a:r>
+            <a:r>
+              <a:rPr lang="en-US" dirty="0" smtClean="0"/>
+              <a:t> = new Customer();  // strongly typed in C# as type is inferred</a:t>
+            </a:r>
+          </a:p>
+          <a:p>
+            <a:pPr marL="0" indent="0">
+              <a:buNone/>
+            </a:pPr>
+            <a:r>
+              <a:rPr lang="en-US" dirty="0" err="1"/>
+              <a:t>v</a:t>
+            </a:r>
+            <a:r>
+              <a:rPr lang="en-US" dirty="0" err="1" smtClean="0"/>
+              <a:t>ar</a:t>
+            </a:r>
+            <a:r>
+              <a:rPr lang="en-US" dirty="0" smtClean="0"/>
+              <a:t> x = 10; //</a:t>
+            </a:r>
+            <a:r>
+              <a:rPr lang="en-US" dirty="0" err="1" smtClean="0"/>
+              <a:t>int</a:t>
+            </a:r>
+            <a:endParaRPr lang="en-US" dirty="0" smtClean="0"/>
+          </a:p>
+          <a:p>
+            <a:pPr marL="0" indent="0">
+              <a:buNone/>
+            </a:pPr>
+            <a:r>
+              <a:rPr lang="en-US" dirty="0" err="1" smtClean="0"/>
+              <a:t>var</a:t>
+            </a:r>
+            <a:r>
+              <a:rPr lang="en-US" dirty="0" smtClean="0"/>
+              <a:t> x = “Hello” // error</a:t>
+            </a:r>
+          </a:p>
+          <a:p>
+            <a:pPr marL="0" indent="0">
+              <a:buNone/>
+            </a:pPr>
+            <a:endParaRPr lang="en-US" dirty="0"/>
+          </a:p>
+          <a:p>
+            <a:pPr marL="0" indent="0">
+              <a:buNone/>
+            </a:pPr>
+            <a:r>
+              <a:rPr lang="en-US" dirty="0" err="1" smtClean="0"/>
+              <a:t>var</a:t>
+            </a:r>
+            <a:r>
+              <a:rPr lang="en-US" dirty="0" smtClean="0"/>
+              <a:t> </a:t>
+            </a:r>
+            <a:r>
+              <a:rPr lang="en-US" dirty="0" err="1" smtClean="0"/>
+              <a:t>cust</a:t>
+            </a:r>
+            <a:r>
+              <a:rPr lang="en-US" dirty="0" smtClean="0"/>
+              <a:t> = new Customer(); // loosely typed</a:t>
+            </a:r>
+          </a:p>
+          <a:p>
+            <a:pPr marL="0" indent="0">
+              <a:buNone/>
+            </a:pPr>
+            <a:r>
+              <a:rPr lang="en-US" dirty="0" err="1" smtClean="0"/>
+              <a:t>var</a:t>
+            </a:r>
+            <a:r>
+              <a:rPr lang="en-US" dirty="0" smtClean="0"/>
+              <a:t> x = 10 // number</a:t>
+            </a:r>
+          </a:p>
+          <a:p>
+            <a:pPr marL="0" indent="0">
+              <a:buNone/>
+            </a:pPr>
+            <a:r>
+              <a:rPr lang="en-US" dirty="0" err="1"/>
+              <a:t>v</a:t>
+            </a:r>
+            <a:r>
+              <a:rPr lang="en-US" dirty="0" err="1" smtClean="0"/>
+              <a:t>ar</a:t>
+            </a:r>
+            <a:r>
+              <a:rPr lang="en-US" dirty="0" smtClean="0"/>
+              <a:t> x = “Hello” // fine!</a:t>
+            </a:r>
+            <a:endParaRPr lang="en-US" dirty="0"/>
+          </a:p>
+        </p:txBody>
+      </p:sp>
+    </p:spTree>
+    <p:extLst>
+      <p:ext uri="{BB962C8B-B14F-4D97-AF65-F5344CB8AC3E}">
+        <p14:creationId xmlns:p14="http://schemas.microsoft.com/office/powerpoint/2010/main" val="3821163958"/>
+      </p:ext>
+    </p:extLst>
+  </p:cSld>
+  <p:clrMapOvr>
+    <a:masterClrMapping/>
+  </p:clrMapOvr>
+  <p:timing>
+    <p:tnLst>
+      <p:par>
+        <p:cTn id="1" dur="indefinite" restart="never" nodeType="tmRoot"/>
+      </p:par>
+    </p:tnLst>
+  </p:timing>
+</p:sld>
+</file>
+
+<file path=ppt/slides/slide19.xml><?xml version="1.0" encoding="utf-8"?>
+<p:sld xmlns:a="http://schemas.openxmlformats.org/drawingml/2006/main" xmlns:r="http://schemas.openxmlformats.org/officeDocument/2006/relationships" xmlns:p="http://schemas.openxmlformats.org/presentationml/2006/main">
+  <p:cSld>
+    <p:spTree>
+      <p:nvGrpSpPr>
+        <p:cNvPr id="1" name=""/>
+        <p:cNvGrpSpPr/>
+        <p:nvPr/>
+      </p:nvGrpSpPr>
+      <p:grpSpPr>
+        <a:xfrm>
+          <a:off x="0" y="0"/>
+          <a:ext cx="0" cy="0"/>
+          <a:chOff x="0" y="0"/>
+          <a:chExt cx="0" cy="0"/>
+        </a:xfrm>
+      </p:grpSpPr>
+      <p:sp>
+        <p:nvSpPr>
+          <p:cNvPr id="2" name="Title 1"/>
+          <p:cNvSpPr>
+            <a:spLocks noGrp="1"/>
+          </p:cNvSpPr>
+          <p:nvPr>
+            <p:ph type="title"/>
+          </p:nvPr>
+        </p:nvSpPr>
+        <p:spPr/>
+        <p:txBody>
+          <a:bodyPr>
+            <a:normAutofit/>
+          </a:bodyPr>
+          <a:lstStyle/>
+          <a:p>
+            <a:r>
+              <a:rPr lang="en-US" sz="4000" dirty="0" smtClean="0"/>
+              <a:t>Object Oriented Concepts</a:t>
+            </a:r>
+            <a:endParaRPr lang="en-US" sz="4000" dirty="0"/>
+          </a:p>
+        </p:txBody>
+      </p:sp>
+      <p:sp>
+        <p:nvSpPr>
+          <p:cNvPr id="3" name="Content Placeholder 2"/>
+          <p:cNvSpPr>
+            <a:spLocks noGrp="1"/>
+          </p:cNvSpPr>
+          <p:nvPr>
+            <p:ph idx="1"/>
+          </p:nvPr>
+        </p:nvSpPr>
+        <p:spPr/>
+        <p:txBody>
+          <a:bodyPr>
+            <a:normAutofit fontScale="92500" lnSpcReduction="20000"/>
+          </a:bodyPr>
+          <a:lstStyle/>
+          <a:p>
+            <a:r>
+              <a:rPr lang="en-US" dirty="0" smtClean="0"/>
+              <a:t>Class</a:t>
+            </a:r>
+          </a:p>
+          <a:p>
+            <a:r>
+              <a:rPr lang="en-US" dirty="0" smtClean="0"/>
+              <a:t>Constructor</a:t>
+            </a:r>
+          </a:p>
+          <a:p>
+            <a:r>
+              <a:rPr lang="en-US" dirty="0" smtClean="0"/>
+              <a:t>Overloading</a:t>
+            </a:r>
+          </a:p>
+          <a:p>
+            <a:r>
+              <a:rPr lang="en-US" dirty="0" smtClean="0"/>
+              <a:t>Static data</a:t>
+            </a:r>
+          </a:p>
+          <a:p>
+            <a:r>
+              <a:rPr lang="en-US" dirty="0" smtClean="0"/>
+              <a:t>Instance data</a:t>
+            </a:r>
+          </a:p>
+          <a:p>
+            <a:r>
+              <a:rPr lang="en-US" dirty="0" smtClean="0"/>
+              <a:t>Inheritance</a:t>
+            </a:r>
+          </a:p>
+          <a:p>
+            <a:pPr lvl="1"/>
+            <a:r>
+              <a:rPr lang="en-US" dirty="0" smtClean="0"/>
+              <a:t>Prototype</a:t>
+            </a:r>
+          </a:p>
+          <a:p>
+            <a:pPr lvl="1"/>
+            <a:r>
+              <a:rPr lang="en-US" dirty="0" smtClean="0"/>
+              <a:t>__proto__</a:t>
+            </a:r>
+          </a:p>
+          <a:p>
+            <a:r>
+              <a:rPr lang="en-US" dirty="0" smtClean="0"/>
+              <a:t>Interface</a:t>
+            </a:r>
+          </a:p>
+          <a:p>
+            <a:r>
+              <a:rPr lang="en-US" dirty="0" smtClean="0"/>
+              <a:t>Events</a:t>
+            </a:r>
+          </a:p>
+          <a:p>
+            <a:r>
+              <a:rPr lang="en-US" dirty="0" smtClean="0"/>
+              <a:t>Extension Methods</a:t>
+            </a:r>
+          </a:p>
+          <a:p>
+            <a:pPr marL="0" indent="0">
+              <a:buNone/>
+            </a:pPr>
+            <a:endParaRPr lang="en-US" dirty="0"/>
+          </a:p>
+        </p:txBody>
+      </p:sp>
+    </p:spTree>
+    <p:extLst>
+      <p:ext uri="{BB962C8B-B14F-4D97-AF65-F5344CB8AC3E}">
+        <p14:creationId xmlns:p14="http://schemas.microsoft.com/office/powerpoint/2010/main" val="3143297410"/>
       </p:ext>
     </p:extLst>
   </p:cSld>
@@ -4126,6 +5517,90 @@
       </p:par>
     </p:tnLst>
   </p:timing>
+</p:sld>
+</file>
+
+<file path=ppt/slides/slide20.xml><?xml version="1.0" encoding="utf-8"?>
+<p:sld xmlns:a="http://schemas.openxmlformats.org/drawingml/2006/main" xmlns:r="http://schemas.openxmlformats.org/officeDocument/2006/relationships" xmlns:p="http://schemas.openxmlformats.org/presentationml/2006/main">
+  <p:cSld>
+    <p:spTree>
+      <p:nvGrpSpPr>
+        <p:cNvPr id="1" name=""/>
+        <p:cNvGrpSpPr/>
+        <p:nvPr/>
+      </p:nvGrpSpPr>
+      <p:grpSpPr>
+        <a:xfrm>
+          <a:off x="0" y="0"/>
+          <a:ext cx="0" cy="0"/>
+          <a:chOff x="0" y="0"/>
+          <a:chExt cx="0" cy="0"/>
+        </a:xfrm>
+      </p:grpSpPr>
+      <p:sp>
+        <p:nvSpPr>
+          <p:cNvPr id="2" name="Title 1"/>
+          <p:cNvSpPr>
+            <a:spLocks noGrp="1"/>
+          </p:cNvSpPr>
+          <p:nvPr>
+            <p:ph type="title"/>
+          </p:nvPr>
+        </p:nvSpPr>
+        <p:spPr/>
+        <p:txBody>
+          <a:bodyPr/>
+          <a:lstStyle/>
+          <a:p>
+            <a:r>
+              <a:rPr lang="en-US" dirty="0" smtClean="0"/>
+              <a:t>Practical Scenarios</a:t>
+            </a:r>
+            <a:endParaRPr lang="en-US" dirty="0"/>
+          </a:p>
+        </p:txBody>
+      </p:sp>
+      <p:sp>
+        <p:nvSpPr>
+          <p:cNvPr id="3" name="Content Placeholder 2"/>
+          <p:cNvSpPr>
+            <a:spLocks noGrp="1"/>
+          </p:cNvSpPr>
+          <p:nvPr>
+            <p:ph idx="1"/>
+          </p:nvPr>
+        </p:nvSpPr>
+        <p:spPr/>
+        <p:txBody>
+          <a:bodyPr/>
+          <a:lstStyle/>
+          <a:p>
+            <a:r>
+              <a:rPr lang="en-US" dirty="0" smtClean="0"/>
+              <a:t>Strictness using "use strict"; // Works only </a:t>
+            </a:r>
+            <a:r>
+              <a:rPr lang="en-US" smtClean="0"/>
+              <a:t>in ECMAScript5 </a:t>
+            </a:r>
+            <a:r>
+              <a:rPr lang="en-US" dirty="0" smtClean="0"/>
+              <a:t>and above</a:t>
+            </a:r>
+            <a:endParaRPr lang="en-US" dirty="0"/>
+          </a:p>
+        </p:txBody>
+      </p:sp>
+    </p:spTree>
+    <p:extLst>
+      <p:ext uri="{BB962C8B-B14F-4D97-AF65-F5344CB8AC3E}">
+        <p14:creationId xmlns:p14="http://schemas.microsoft.com/office/powerpoint/2010/main" val="2043825863"/>
+      </p:ext>
+    </p:extLst>
+  </p:cSld>
+  <p:clrMapOvr>
+    <a:masterClrMapping/>
+  </p:clrMapOvr>
 </p:sld>
 </file>
 
@@ -4302,7 +5777,7 @@
           <a:p>
             <a:r>
               <a:rPr lang="en-US" dirty="0" smtClean="0"/>
-              <a:t>Hello JavaScript World</a:t>
+              <a:t>Hello World – Browser Version</a:t>
             </a:r>
             <a:endParaRPr lang="en-US" dirty="0"/>
           </a:p>
@@ -4329,11 +5804,10 @@
             </a:r>
           </a:p>
           <a:p>
-            <a:r>
-              <a:rPr lang="en-US" dirty="0" smtClean="0"/>
-              <a:t>Basic arithmetic operators +, - , *, /, %, ++, --</a:t>
-            </a:r>
-            <a:endParaRPr lang="en-US" dirty="0"/>
+            <a:pPr marL="0" indent="0">
+              <a:buNone/>
+            </a:pPr>
+            <a:endParaRPr lang="en-US" dirty="0" smtClean="0"/>
           </a:p>
         </p:txBody>
       </p:sp>
@@ -4391,7 +5865,7 @@
           <a:p>
             <a:r>
               <a:rPr lang="en-US" dirty="0" smtClean="0"/>
-              <a:t>Browser Console </a:t>
+              <a:t>Hello World – Node Version</a:t>
             </a:r>
             <a:endParaRPr lang="en-US" dirty="0"/>
           </a:p>
@@ -4412,38 +5886,11 @@
           <a:bodyPr/>
           <a:lstStyle/>
           <a:p>
-            <a:pPr marL="0" indent="0">
-              <a:buNone/>
-            </a:pPr>
-            <a:r>
-              <a:rPr lang="en-US" dirty="0" smtClean="0"/>
-              <a:t>Your friend to quickly debug JavaScript code and its free!</a:t>
-            </a:r>
-          </a:p>
-          <a:p>
-            <a:pPr marL="0" indent="0">
-              <a:buNone/>
-            </a:pPr>
+            <a:r>
+              <a:rPr lang="en-US" smtClean="0"/>
+              <a:t>console.log</a:t>
+            </a:r>
             <a:endParaRPr lang="en-US" dirty="0" smtClean="0"/>
-          </a:p>
-          <a:p>
-            <a:r>
-              <a:rPr lang="en-US" dirty="0" smtClean="0"/>
-              <a:t>console.log</a:t>
-            </a:r>
-          </a:p>
-          <a:p>
-            <a:r>
-              <a:rPr lang="en-US" dirty="0" smtClean="0"/>
-              <a:t>console.warn</a:t>
-            </a:r>
-          </a:p>
-          <a:p>
-            <a:r>
-              <a:rPr lang="en-US" dirty="0" smtClean="0"/>
-              <a:t>console.error</a:t>
-            </a:r>
-            <a:endParaRPr lang="en-US" dirty="0"/>
           </a:p>
         </p:txBody>
       </p:sp>
@@ -4519,7 +5966,9 @@
         </p:nvSpPr>
         <p:spPr/>
         <p:txBody>
-          <a:bodyPr/>
+          <a:bodyPr>
+            <a:normAutofit fontScale="62500" lnSpcReduction="20000"/>
+          </a:bodyPr>
           <a:lstStyle/>
           <a:p>
             <a:r>
@@ -4528,21 +5977,162 @@
             </a:r>
           </a:p>
           <a:p>
+            <a:pPr lvl="1"/>
+            <a:r>
+              <a:rPr lang="en-US" dirty="0" smtClean="0"/>
+              <a:t>Can be defined using both ‘’ or “”</a:t>
+            </a:r>
+          </a:p>
+          <a:p>
+            <a:pPr lvl="1"/>
+            <a:r>
+              <a:rPr lang="en-US" dirty="0" smtClean="0"/>
+              <a:t>Immutable like .NET</a:t>
+            </a:r>
+          </a:p>
+          <a:p>
+            <a:pPr lvl="1"/>
+            <a:r>
+              <a:rPr lang="en-US" dirty="0" smtClean="0"/>
+              <a:t>Escape sequence to use single or double quote</a:t>
+            </a:r>
+          </a:p>
+          <a:p>
+            <a:pPr lvl="1"/>
+            <a:r>
+              <a:rPr lang="en-US" dirty="0" smtClean="0"/>
+              <a:t>Unicode character e.g. </a:t>
+            </a:r>
+            <a:r>
+              <a:rPr lang="en-US" dirty="0" err="1" smtClean="0"/>
+              <a:t>var</a:t>
+            </a:r>
+            <a:r>
+              <a:rPr lang="en-US" dirty="0" smtClean="0"/>
+              <a:t> copyright = 'Copyright symbol \u00a9';</a:t>
+            </a:r>
+          </a:p>
+          <a:p>
+            <a:pPr lvl="1"/>
+            <a:r>
+              <a:rPr lang="en-US" dirty="0" smtClean="0"/>
+              <a:t>Usual method like </a:t>
+            </a:r>
+            <a:r>
+              <a:rPr lang="en-US" dirty="0" err="1" smtClean="0"/>
+              <a:t>indexOf</a:t>
+            </a:r>
+            <a:r>
+              <a:rPr lang="en-US" dirty="0" smtClean="0"/>
+              <a:t>, replace, slice, split, </a:t>
+            </a:r>
+            <a:r>
+              <a:rPr lang="en-US" dirty="0" err="1" smtClean="0"/>
+              <a:t>toUpperCase</a:t>
+            </a:r>
+            <a:r>
+              <a:rPr lang="en-US" dirty="0" smtClean="0"/>
+              <a:t>, </a:t>
+            </a:r>
+            <a:r>
+              <a:rPr lang="en-US" dirty="0" err="1" smtClean="0"/>
+              <a:t>toLowerCase</a:t>
+            </a:r>
+            <a:endParaRPr lang="en-US" dirty="0" smtClean="0"/>
+          </a:p>
+          <a:p>
             <a:r>
               <a:rPr lang="en-US" dirty="0" smtClean="0"/>
               <a:t>Number</a:t>
             </a:r>
           </a:p>
           <a:p>
+            <a:pPr lvl="1"/>
+            <a:r>
+              <a:rPr lang="en-US" dirty="0" smtClean="0"/>
+              <a:t>Holds both integer and floating point values</a:t>
+            </a:r>
+          </a:p>
+          <a:p>
+            <a:pPr lvl="1"/>
+            <a:r>
+              <a:rPr lang="en-US" dirty="0" smtClean="0"/>
+              <a:t>Number starts with 0 is an octal number</a:t>
+            </a:r>
+          </a:p>
+          <a:p>
+            <a:pPr lvl="1"/>
+            <a:r>
+              <a:rPr lang="en-US" dirty="0" smtClean="0"/>
+              <a:t>Number starts with 0x is an hexadecimal number</a:t>
+            </a:r>
+          </a:p>
+          <a:p>
+            <a:pPr lvl="1"/>
+            <a:r>
+              <a:rPr lang="en-US" dirty="0" smtClean="0"/>
+              <a:t>Exponent number can be defined as 1.34e5 == (1.34*10)pow 5 = 134000 </a:t>
+            </a:r>
+          </a:p>
+          <a:p>
+            <a:pPr lvl="1"/>
+            <a:r>
+              <a:rPr lang="en-US" dirty="0" err="1" smtClean="0"/>
+              <a:t>var</a:t>
+            </a:r>
+            <a:r>
+              <a:rPr lang="en-US" dirty="0" smtClean="0"/>
+              <a:t> fail = 10/”ZERO”  == </a:t>
+            </a:r>
+            <a:r>
+              <a:rPr lang="en-US" dirty="0" err="1" smtClean="0"/>
+              <a:t>NaN</a:t>
+            </a:r>
+            <a:r>
+              <a:rPr lang="en-US" dirty="0" smtClean="0"/>
+              <a:t>. Check using </a:t>
+            </a:r>
+            <a:r>
+              <a:rPr lang="en-US" dirty="0" err="1" smtClean="0"/>
+              <a:t>IsNaN</a:t>
+            </a:r>
+            <a:r>
+              <a:rPr lang="en-US" dirty="0" smtClean="0"/>
+              <a:t>(fail).</a:t>
+            </a:r>
+          </a:p>
+          <a:p>
             <a:r>
               <a:rPr lang="en-US" dirty="0" smtClean="0"/>
               <a:t>Boolean</a:t>
             </a:r>
           </a:p>
           <a:p>
-            <a:r>
-              <a:rPr lang="en-US" dirty="0" smtClean="0"/>
-              <a:t>Date</a:t>
+            <a:pPr lvl="1"/>
+            <a:r>
+              <a:rPr lang="en-US" dirty="0" smtClean="0"/>
+              <a:t>True and False</a:t>
+            </a:r>
+          </a:p>
+          <a:p>
+            <a:pPr lvl="1"/>
+            <a:r>
+              <a:rPr lang="en-US" dirty="0" smtClean="0"/>
+              <a:t>Any string which has value in Boolean condition returns true</a:t>
+            </a:r>
+          </a:p>
+          <a:p>
+            <a:pPr lvl="1"/>
+            <a:r>
+              <a:rPr lang="en-US" dirty="0" smtClean="0"/>
+              <a:t>Any non zero value in Boolean condition returns true</a:t>
+            </a:r>
+          </a:p>
+          <a:p>
+            <a:pPr lvl="1"/>
+            <a:r>
+              <a:rPr lang="en-US" dirty="0" smtClean="0"/>
+              <a:t>Null or undefined in Boolean condition returns false</a:t>
             </a:r>
           </a:p>
         </p:txBody>
@@ -4550,7 +6140,7 @@
     </p:spTree>
     <p:extLst>
       <p:ext uri="{BB962C8B-B14F-4D97-AF65-F5344CB8AC3E}">
-        <p14:creationId xmlns:p14="http://schemas.microsoft.com/office/powerpoint/2010/main" val="3559968453"/>
+        <p14:creationId xmlns:p14="http://schemas.microsoft.com/office/powerpoint/2010/main" val="2304899319"/>
       </p:ext>
     </p:extLst>
   </p:cSld>
@@ -4628,9 +6218,27 @@
             </a:r>
           </a:p>
           <a:p>
+            <a:pPr lvl="1"/>
+            <a:r>
+              <a:rPr lang="en-US" dirty="0" err="1" smtClean="0"/>
+              <a:t>var</a:t>
+            </a:r>
+            <a:r>
+              <a:rPr lang="en-US" dirty="0" smtClean="0"/>
+              <a:t> a = null;</a:t>
+            </a:r>
+          </a:p>
+          <a:p>
             <a:r>
               <a:rPr lang="en-US" dirty="0" smtClean="0"/>
               <a:t>Undefined</a:t>
+            </a:r>
+          </a:p>
+          <a:p>
+            <a:pPr lvl="1"/>
+            <a:r>
+              <a:rPr lang="en-US" dirty="0" smtClean="0"/>
+              <a:t>console.log(test);</a:t>
             </a:r>
           </a:p>
         </p:txBody>
@@ -4689,6 +6297,102 @@
           <a:p>
             <a:r>
               <a:rPr lang="en-US" dirty="0" smtClean="0"/>
+              <a:t>Truthy and Falsy Values</a:t>
+            </a:r>
+            <a:endParaRPr lang="en-US" dirty="0"/>
+          </a:p>
+        </p:txBody>
+      </p:sp>
+      <p:sp>
+        <p:nvSpPr>
+          <p:cNvPr id="3" name="Content Placeholder 2"/>
+          <p:cNvSpPr>
+            <a:spLocks noGrp="1"/>
+          </p:cNvSpPr>
+          <p:nvPr>
+            <p:ph idx="1"/>
+          </p:nvPr>
+        </p:nvSpPr>
+        <p:spPr/>
+        <p:txBody>
+          <a:bodyPr/>
+          <a:lstStyle/>
+          <a:p>
+            <a:r>
+              <a:rPr lang="en-US" dirty="0" smtClean="0"/>
+              <a:t>null, undefined, </a:t>
+            </a:r>
+            <a:r>
+              <a:rPr lang="en-US" dirty="0" err="1" smtClean="0"/>
+              <a:t>NaN</a:t>
+            </a:r>
+            <a:r>
+              <a:rPr lang="en-US" dirty="0" smtClean="0"/>
+              <a:t>, “”, 0 and -0 are False values</a:t>
+            </a:r>
+          </a:p>
+          <a:p>
+            <a:r>
+              <a:rPr lang="en-US" dirty="0" smtClean="0"/>
+              <a:t>Everything else is True</a:t>
+            </a:r>
+          </a:p>
+        </p:txBody>
+      </p:sp>
+    </p:spTree>
+    <p:extLst>
+      <p:ext uri="{BB962C8B-B14F-4D97-AF65-F5344CB8AC3E}">
+        <p14:creationId xmlns:p14="http://schemas.microsoft.com/office/powerpoint/2010/main" val="2820212834"/>
+      </p:ext>
+    </p:extLst>
+  </p:cSld>
+  <p:clrMapOvr>
+    <a:masterClrMapping/>
+  </p:clrMapOvr>
+  <p:timing>
+    <p:tnLst>
+      <p:par>
+        <p:cTn id="1" dur="indefinite" restart="never" nodeType="tmRoot"/>
+      </p:par>
+    </p:tnLst>
+  </p:timing>
+</p:sld>
+</file>
+
+<file path=ppt/slides/slide9.xml><?xml version="1.0" encoding="utf-8"?>
+<p:sld xmlns:a="http://schemas.openxmlformats.org/drawingml/2006/main" xmlns:r="http://schemas.openxmlformats.org/officeDocument/2006/relationships" xmlns:p="http://schemas.openxmlformats.org/presentationml/2006/main">
+  <p:cSld>
+    <p:spTree>
+      <p:nvGrpSpPr>
+        <p:cNvPr id="1" name=""/>
+        <p:cNvGrpSpPr/>
+        <p:nvPr/>
+      </p:nvGrpSpPr>
+      <p:grpSpPr>
+        <a:xfrm>
+          <a:off x="0" y="0"/>
+          <a:ext cx="0" cy="0"/>
+          <a:chOff x="0" y="0"/>
+          <a:chExt cx="0" cy="0"/>
+        </a:xfrm>
+      </p:grpSpPr>
+      <p:sp>
+        <p:nvSpPr>
+          <p:cNvPr id="2" name="Title 1"/>
+          <p:cNvSpPr>
+            <a:spLocks noGrp="1"/>
+          </p:cNvSpPr>
+          <p:nvPr>
+            <p:ph type="title"/>
+          </p:nvPr>
+        </p:nvSpPr>
+        <p:spPr/>
+        <p:txBody>
+          <a:bodyPr/>
+          <a:lstStyle/>
+          <a:p>
+            <a:r>
+              <a:rPr lang="en-US" dirty="0" smtClean="0"/>
               <a:t>Operators</a:t>
             </a:r>
             <a:endParaRPr lang="en-US" dirty="0"/>
@@ -4705,14 +6409,14 @@
             <p:ph idx="1"/>
             <p:extLst>
               <p:ext uri="{D42A27DB-BD31-4B8C-83A1-F6EECF244321}">
-                <p14:modId xmlns:p14="http://schemas.microsoft.com/office/powerpoint/2010/main" val="4065714025"/>
+                <p14:modId xmlns:p14="http://schemas.microsoft.com/office/powerpoint/2010/main" val="2531529764"/>
               </p:ext>
             </p:extLst>
           </p:nvPr>
         </p:nvGraphicFramePr>
         <p:xfrm>
           <a:off x="838200" y="1825625"/>
-          <a:ext cx="10515600" cy="2595880"/>
+          <a:ext cx="10515598" cy="2865120"/>
         </p:xfrm>
         <a:graphic>
           <a:graphicData uri="http://schemas.openxmlformats.org/drawingml/2006/table">
@@ -4721,8 +6425,12 @@
                 <a:tableStyleId>{5C22544A-7EE6-4342-B048-85BDC9FD1C3A}</a:tableStyleId>
               </a:tblPr>
               <a:tblGrid>
-                <a:gridCol w="5257800"/>
-                <a:gridCol w="5257800"/>
+                <a:gridCol w="1550158"/>
+                <a:gridCol w="1883391"/>
+                <a:gridCol w="1774209"/>
+                <a:gridCol w="1924335"/>
+                <a:gridCol w="1665026"/>
+                <a:gridCol w="1718479"/>
               </a:tblGrid>
               <a:tr h="370840">
                 <a:tc>
@@ -4746,7 +6454,63 @@
                     <a:p>
                       <a:r>
                         <a:rPr lang="en-US" dirty="0" smtClean="0"/>
+                        <a:t>Comparison</a:t>
+                      </a:r>
+                      <a:endParaRPr lang="en-US" dirty="0"/>
+                    </a:p>
+                  </a:txBody>
+                  <a:tcPr/>
+                </a:tc>
+                <a:tc>
+                  <a:txBody>
+                    <a:bodyPr/>
+                    <a:lstStyle/>
+                    <a:p>
+                      <a:r>
+                        <a:rPr lang="en-US" dirty="0" smtClean="0"/>
                         <a:t>Logical</a:t>
+                      </a:r>
+                      <a:endParaRPr lang="en-US" dirty="0"/>
+                    </a:p>
+                  </a:txBody>
+                  <a:tcPr/>
+                </a:tc>
+                <a:tc>
+                  <a:txBody>
+                    <a:bodyPr/>
+                    <a:lstStyle/>
+                    <a:p>
+                      <a:r>
+                        <a:rPr lang="en-US" dirty="0" smtClean="0"/>
+                        <a:t>Assignment</a:t>
+                      </a:r>
+                      <a:endParaRPr lang="en-US" dirty="0"/>
+                    </a:p>
+                  </a:txBody>
+                  <a:tcPr/>
+                </a:tc>
+                <a:tc>
+                  <a:txBody>
+                    <a:bodyPr/>
+                    <a:lstStyle/>
+                    <a:p>
+                      <a:r>
+                        <a:rPr lang="en-US" dirty="0" smtClean="0"/>
+                        <a:t>Equality</a:t>
+                      </a:r>
+                      <a:endParaRPr lang="en-US" dirty="0"/>
+                    </a:p>
+                  </a:txBody>
+                  <a:tcPr/>
+                </a:tc>
+                <a:tc>
+                  <a:txBody>
+                    <a:bodyPr/>
+                    <a:lstStyle/>
+                    <a:p>
+                      <a:r>
+                        <a:rPr lang="en-US" dirty="0" smtClean="0"/>
+                        <a:t>Increment / Decrement</a:t>
                       </a:r>
                       <a:endParaRPr lang="en-US" dirty="0"/>
                     </a:p>
@@ -4783,6 +6547,62 @@
                   </a:txBody>
                   <a:tcPr/>
                 </a:tc>
+                <a:tc>
+                  <a:txBody>
+                    <a:bodyPr/>
+                    <a:lstStyle/>
+                    <a:p>
+                      <a:r>
+                        <a:rPr lang="en-US" dirty="0" smtClean="0"/>
+                        <a:t>&amp;&amp;</a:t>
+                      </a:r>
+                      <a:endParaRPr lang="en-US" dirty="0"/>
+                    </a:p>
+                  </a:txBody>
+                  <a:tcPr/>
+                </a:tc>
+                <a:tc>
+                  <a:txBody>
+                    <a:bodyPr/>
+                    <a:lstStyle/>
+                    <a:p>
+                      <a:r>
+                        <a:rPr lang="en-US" dirty="0" smtClean="0"/>
+                        <a:t>=</a:t>
+                      </a:r>
+                      <a:endParaRPr lang="en-US" dirty="0"/>
+                    </a:p>
+                  </a:txBody>
+                  <a:tcPr/>
+                </a:tc>
+                <a:tc>
+                  <a:txBody>
+                    <a:bodyPr/>
+                    <a:lstStyle/>
+                    <a:p>
+                      <a:r>
+                        <a:rPr lang="en-US" dirty="0" smtClean="0"/>
+                        <a:t>==</a:t>
+                      </a:r>
+                      <a:endParaRPr lang="en-US" dirty="0"/>
+                    </a:p>
+                  </a:txBody>
+                  <a:tcPr/>
+                </a:tc>
+                <a:tc>
+                  <a:txBody>
+                    <a:bodyPr/>
+                    <a:lstStyle/>
+                    <a:p>
+                      <a:r>
+                        <a:rPr lang="en-US" dirty="0" smtClean="0"/>
+                        <a:t>++</a:t>
+                      </a:r>
+                      <a:endParaRPr lang="en-US" dirty="0"/>
+                    </a:p>
+                  </a:txBody>
+                  <a:tcPr/>
+                </a:tc>
               </a:tr>
               <a:tr h="370840">
                 <a:tc>
@@ -4807,6 +6627,62 @@
                       <a:r>
                         <a:rPr lang="en-US" dirty="0" smtClean="0"/>
                         <a:t>&lt;</a:t>
+                      </a:r>
+                      <a:endParaRPr lang="en-US" dirty="0"/>
+                    </a:p>
+                  </a:txBody>
+                  <a:tcPr/>
+                </a:tc>
+                <a:tc>
+                  <a:txBody>
+                    <a:bodyPr/>
+                    <a:lstStyle/>
+                    <a:p>
+                      <a:r>
+                        <a:rPr lang="en-US" dirty="0" smtClean="0"/>
+                        <a:t>||</a:t>
+                      </a:r>
+                      <a:endParaRPr lang="en-US" dirty="0"/>
+                    </a:p>
+                  </a:txBody>
+                  <a:tcPr/>
+                </a:tc>
+                <a:tc>
+                  <a:txBody>
+                    <a:bodyPr/>
+                    <a:lstStyle/>
+                    <a:p>
+                      <a:r>
+                        <a:rPr lang="en-US" dirty="0" smtClean="0"/>
+                        <a:t>+=</a:t>
+                      </a:r>
+                      <a:endParaRPr lang="en-US" dirty="0"/>
+                    </a:p>
+                  </a:txBody>
+                  <a:tcPr/>
+                </a:tc>
+                <a:tc>
+                  <a:txBody>
+                    <a:bodyPr/>
+                    <a:lstStyle/>
+                    <a:p>
+                      <a:r>
+                        <a:rPr lang="en-US" dirty="0" smtClean="0"/>
+                        <a:t>===</a:t>
+                      </a:r>
+                      <a:endParaRPr lang="en-US" dirty="0"/>
+                    </a:p>
+                  </a:txBody>
+                  <a:tcPr/>
+                </a:tc>
+                <a:tc>
+                  <a:txBody>
+                    <a:bodyPr/>
+                    <a:lstStyle/>
+                    <a:p>
+                      <a:r>
+                        <a:rPr lang="en-US" dirty="0" smtClean="0"/>
+                        <a:t>--</a:t>
                       </a:r>
                       <a:endParaRPr lang="en-US" dirty="0"/>
                     </a:p>
@@ -4843,6 +6719,54 @@
                   </a:txBody>
                   <a:tcPr/>
                 </a:tc>
+                <a:tc>
+                  <a:txBody>
+                    <a:bodyPr/>
+                    <a:lstStyle/>
+                    <a:p>
+                      <a:endParaRPr lang="en-US" dirty="0"/>
+                    </a:p>
+                  </a:txBody>
+                  <a:tcPr/>
+                </a:tc>
+                <a:tc>
+                  <a:txBody>
+                    <a:bodyPr/>
+                    <a:lstStyle/>
+                    <a:p>
+                      <a:r>
+                        <a:rPr lang="en-US" dirty="0" smtClean="0"/>
+                        <a:t>-=</a:t>
+                      </a:r>
+                      <a:endParaRPr lang="en-US" dirty="0"/>
+                    </a:p>
+                  </a:txBody>
+                  <a:tcPr/>
+                </a:tc>
+                <a:tc>
+                  <a:txBody>
+                    <a:bodyPr/>
+                    <a:lstStyle/>
+                    <a:p>
+                      <a:r>
+                        <a:rPr lang="en-US" dirty="0" smtClean="0"/>
+                        <a:t>!=</a:t>
+                      </a:r>
+                      <a:endParaRPr lang="en-US" dirty="0"/>
+                    </a:p>
+                  </a:txBody>
+                  <a:tcPr/>
+                </a:tc>
+                <a:tc>
+                  <a:txBody>
+                    <a:bodyPr/>
+                    <a:lstStyle/>
+                    <a:p>
+                      <a:endParaRPr lang="en-US" dirty="0"/>
+                    </a:p>
+                  </a:txBody>
+                  <a:tcPr/>
+                </a:tc>
               </a:tr>
               <a:tr h="370840">
                 <a:tc>
@@ -4868,6 +6792,54 @@
                         <a:rPr lang="en-US" dirty="0" smtClean="0"/>
                         <a:t>&gt;=</a:t>
                       </a:r>
+                      <a:endParaRPr lang="en-US" dirty="0"/>
+                    </a:p>
+                  </a:txBody>
+                  <a:tcPr/>
+                </a:tc>
+                <a:tc>
+                  <a:txBody>
+                    <a:bodyPr/>
+                    <a:lstStyle/>
+                    <a:p>
+                      <a:endParaRPr lang="en-US" dirty="0"/>
+                    </a:p>
+                  </a:txBody>
+                  <a:tcPr/>
+                </a:tc>
+                <a:tc>
+                  <a:txBody>
+                    <a:bodyPr/>
+                    <a:lstStyle/>
+                    <a:p>
+                      <a:r>
+                        <a:rPr lang="en-US" dirty="0" smtClean="0"/>
+                        <a:t>*=</a:t>
+                      </a:r>
+                      <a:endParaRPr lang="en-US" dirty="0"/>
+                    </a:p>
+                  </a:txBody>
+                  <a:tcPr/>
+                </a:tc>
+                <a:tc>
+                  <a:txBody>
+                    <a:bodyPr/>
+                    <a:lstStyle/>
+                    <a:p>
+                      <a:r>
+                        <a:rPr lang="en-US" dirty="0" smtClean="0"/>
+                        <a:t>!==</a:t>
+                      </a:r>
+                      <a:endParaRPr lang="en-US" dirty="0"/>
+                    </a:p>
+                  </a:txBody>
+                  <a:tcPr/>
+                </a:tc>
+                <a:tc>
+                  <a:txBody>
+                    <a:bodyPr/>
+                    <a:lstStyle/>
+                    <a:p>
                       <a:endParaRPr lang="en-US" dirty="0"/>
                     </a:p>
                   </a:txBody>
@@ -4903,6 +6875,50 @@
                   </a:txBody>
                   <a:tcPr/>
                 </a:tc>
+                <a:tc>
+                  <a:txBody>
+                    <a:bodyPr/>
+                    <a:lstStyle/>
+                    <a:p>
+                      <a:endParaRPr lang="en-US" dirty="0"/>
+                    </a:p>
+                  </a:txBody>
+                  <a:tcPr/>
+                </a:tc>
+                <a:tc>
+                  <a:txBody>
+                    <a:bodyPr/>
+                    <a:lstStyle/>
+                    <a:p>
+                      <a:r>
+                        <a:rPr lang="en-US" dirty="0" smtClean="0"/>
+                        <a:t>/=</a:t>
+                      </a:r>
+                      <a:endParaRPr lang="en-US" dirty="0"/>
+                    </a:p>
+                  </a:txBody>
+                  <a:tcPr/>
+                </a:tc>
+                <a:tc>
+                  <a:txBody>
+                    <a:bodyPr/>
+                    <a:lstStyle/>
+                    <a:p>
+                      <a:endParaRPr lang="en-US" dirty="0"/>
+                    </a:p>
+                  </a:txBody>
+                  <a:tcPr/>
+                </a:tc>
+                <a:tc>
+                  <a:txBody>
+                    <a:bodyPr/>
+                    <a:lstStyle/>
+                    <a:p>
+                      <a:endParaRPr lang="en-US" dirty="0"/>
+                    </a:p>
+                  </a:txBody>
+                  <a:tcPr/>
+                </a:tc>
               </a:tr>
               <a:tr h="370840">
                 <a:tc>
@@ -4929,6 +6945,46 @@
                   </a:txBody>
                   <a:tcPr/>
                 </a:tc>
+                <a:tc>
+                  <a:txBody>
+                    <a:bodyPr/>
+                    <a:lstStyle/>
+                    <a:p>
+                      <a:endParaRPr lang="en-US" dirty="0"/>
+                    </a:p>
+                  </a:txBody>
+                  <a:tcPr/>
+                </a:tc>
+                <a:tc>
+                  <a:txBody>
+                    <a:bodyPr/>
+                    <a:lstStyle/>
+                    <a:p>
+                      <a:endParaRPr lang="en-US" dirty="0"/>
+                    </a:p>
+                  </a:txBody>
+                  <a:tcPr/>
+                </a:tc>
+                <a:tc>
+                  <a:txBody>
+                    <a:bodyPr/>
+                    <a:lstStyle/>
+                    <a:p>
+                      <a:endParaRPr lang="en-US" dirty="0"/>
+                    </a:p>
+                  </a:txBody>
+                  <a:tcPr/>
+                </a:tc>
+                <a:tc>
+                  <a:txBody>
+                    <a:bodyPr/>
+                    <a:lstStyle/>
+                    <a:p>
+                      <a:endParaRPr lang="en-US" dirty="0"/>
+                    </a:p>
+                  </a:txBody>
+                  <a:tcPr/>
+                </a:tc>
               </a:tr>
             </a:tbl>
           </a:graphicData>
@@ -4938,102 +6994,6 @@
     <p:extLst>
       <p:ext uri="{BB962C8B-B14F-4D97-AF65-F5344CB8AC3E}">
         <p14:creationId xmlns:p14="http://schemas.microsoft.com/office/powerpoint/2010/main" val="1642332621"/>
-      </p:ext>
-    </p:extLst>
-  </p:cSld>
-  <p:clrMapOvr>
-    <a:masterClrMapping/>
-  </p:clrMapOvr>
-  <p:timing>
-    <p:tnLst>
-      <p:par>
-        <p:cTn id="1" dur="indefinite" restart="never" nodeType="tmRoot"/>
-      </p:par>
-    </p:tnLst>
-  </p:timing>
-</p:sld>
-</file>
-
-<file path=ppt/slides/slide9.xml><?xml version="1.0" encoding="utf-8"?>
-<p:sld xmlns:a="http://schemas.openxmlformats.org/drawingml/2006/main" xmlns:r="http://schemas.openxmlformats.org/officeDocument/2006/relationships" xmlns:p="http://schemas.openxmlformats.org/presentationml/2006/main">
-  <p:cSld>
-    <p:spTree>
-      <p:nvGrpSpPr>
-        <p:cNvPr id="1" name=""/>
-        <p:cNvGrpSpPr/>
-        <p:nvPr/>
-      </p:nvGrpSpPr>
-      <p:grpSpPr>
-        <a:xfrm>
-          <a:off x="0" y="0"/>
-          <a:ext cx="0" cy="0"/>
-          <a:chOff x="0" y="0"/>
-          <a:chExt cx="0" cy="0"/>
-        </a:xfrm>
-      </p:grpSpPr>
-      <p:sp>
-        <p:nvSpPr>
-          <p:cNvPr id="2" name="Title 1"/>
-          <p:cNvSpPr>
-            <a:spLocks noGrp="1"/>
-          </p:cNvSpPr>
-          <p:nvPr>
-            <p:ph type="title"/>
-          </p:nvPr>
-        </p:nvSpPr>
-        <p:spPr/>
-        <p:txBody>
-          <a:bodyPr/>
-          <a:lstStyle/>
-          <a:p>
-            <a:r>
-              <a:rPr lang="en-US" dirty="0" smtClean="0"/>
-              <a:t>True and False</a:t>
-            </a:r>
-            <a:endParaRPr lang="en-US" dirty="0"/>
-          </a:p>
-        </p:txBody>
-      </p:sp>
-      <p:sp>
-        <p:nvSpPr>
-          <p:cNvPr id="3" name="Content Placeholder 2"/>
-          <p:cNvSpPr>
-            <a:spLocks noGrp="1"/>
-          </p:cNvSpPr>
-          <p:nvPr>
-            <p:ph idx="1"/>
-          </p:nvPr>
-        </p:nvSpPr>
-        <p:spPr/>
-        <p:txBody>
-          <a:bodyPr/>
-          <a:lstStyle/>
-          <a:p>
-            <a:r>
-              <a:rPr lang="en-US" dirty="0" smtClean="0"/>
-              <a:t>null, undefined, </a:t>
-            </a:r>
-            <a:r>
-              <a:rPr lang="en-US" dirty="0" err="1" smtClean="0"/>
-              <a:t>NaN</a:t>
-            </a:r>
-            <a:r>
-              <a:rPr lang="en-US" dirty="0" smtClean="0"/>
-              <a:t>, “”, and 0 are False values</a:t>
-            </a:r>
-          </a:p>
-          <a:p>
-            <a:r>
-              <a:rPr lang="en-US" dirty="0" smtClean="0"/>
-              <a:t>Everything else is True</a:t>
-            </a:r>
-          </a:p>
-        </p:txBody>
-      </p:sp>
-    </p:spTree>
-    <p:extLst>
-      <p:ext uri="{BB962C8B-B14F-4D97-AF65-F5344CB8AC3E}">
-        <p14:creationId xmlns:p14="http://schemas.microsoft.com/office/powerpoint/2010/main" val="2820212834"/>
       </p:ext>
     </p:extLst>
   </p:cSld>
@@ -5309,4 +7269,265 @@
     </a:ext>
   </a:extLst>
 </a:theme>
+</file>
+
+<file path=ppt/theme/theme2.xml><?xml version="1.0" encoding="utf-8"?>
+<a:theme xmlns:a="http://schemas.openxmlformats.org/drawingml/2006/main" name="Office Theme">
+  <a:themeElements>
+    <a:clrScheme name="Office">
+      <a:dk1>
+        <a:sysClr val="windowText" lastClr="000000"/>
+      </a:dk1>
+      <a:lt1>
+        <a:sysClr val="window" lastClr="FFFFFF"/>
+      </a:lt1>
+      <a:dk2>
+        <a:srgbClr val="44546A"/>
+      </a:dk2>
+      <a:lt2>
+        <a:srgbClr val="E7E6E6"/>
+      </a:lt2>
+      <a:accent1>
+        <a:srgbClr val="5B9BD5"/>
+      </a:accent1>
+      <a:accent2>
+        <a:srgbClr val="ED7D31"/>
+      </a:accent2>
+      <a:accent3>
+        <a:srgbClr val="A5A5A5"/>
+      </a:accent3>
+      <a:accent4>
+        <a:srgbClr val="FFC000"/>
+      </a:accent4>
+      <a:accent5>
+        <a:srgbClr val="4472C4"/>
+      </a:accent5>
+      <a:accent6>
+        <a:srgbClr val="70AD47"/>
+      </a:accent6>
+      <a:hlink>
+        <a:srgbClr val="0563C1"/>
+      </a:hlink>
+      <a:folHlink>
+        <a:srgbClr val="954F72"/>
+      </a:folHlink>
+    </a:clrScheme>
+    <a:fontScheme name="Office">
+      <a:majorFont>
+        <a:latin typeface="Calibri Light" panose="020F0302020204030204"/>
+        <a:ea typeface=""/>
+        <a:cs typeface=""/>
+        <a:font script="Jpan" typeface="ＭＳ Ｐゴシック"/>
+        <a:font script="Hang" typeface="맑은 고딕"/>
+        <a:font script="Hans" typeface="宋体"/>
+        <a:font script="Hant" typeface="新細明體"/>
+        <a:font script="Arab" typeface="Times New Roman"/>
+        <a:font script="Hebr" typeface="Times New Roman"/>
+        <a:font script="Thai" typeface="Angsana New"/>
+        <a:font script="Ethi" typeface="Nyala"/>
+        <a:font script="Beng" typeface="Vrinda"/>
+        <a:font script="Gujr" typeface="Shruti"/>
+        <a:font script="Khmr" typeface="MoolBoran"/>
+        <a:font script="Knda" typeface="Tunga"/>
+        <a:font script="Guru" typeface="Raavi"/>
+        <a:font script="Cans" typeface="Euphemia"/>
+        <a:font script="Cher" typeface="Plantagenet Cherokee"/>
+        <a:font script="Yiii" typeface="Microsoft Yi Baiti"/>
+        <a:font script="Tibt" typeface="Microsoft Himalaya"/>
+        <a:font script="Thaa" typeface="MV Boli"/>
+        <a:font script="Deva" typeface="Mangal"/>
+        <a:font script="Telu" typeface="Gautami"/>
+        <a:font script="Taml" typeface="Latha"/>
+        <a:font script="Syrc" typeface="Estrangelo Edessa"/>
+        <a:font script="Orya" typeface="Kalinga"/>
+        <a:font script="Mlym" typeface="Kartika"/>
+        <a:font script="Laoo" typeface="DokChampa"/>
+        <a:font script="Sinh" typeface="Iskoola Pota"/>
+        <a:font script="Mong" typeface="Mongolian Baiti"/>
+        <a:font script="Viet" typeface="Times New Roman"/>
+        <a:font script="Uigh" typeface="Microsoft Uighur"/>
+        <a:font script="Geor" typeface="Sylfaen"/>
+      </a:majorFont>
+      <a:minorFont>
+        <a:latin typeface="Calibri" panose="020F0502020204030204"/>
+        <a:ea typeface=""/>
+        <a:cs typeface=""/>
+        <a:font script="Jpan" typeface="ＭＳ Ｐゴシック"/>
+        <a:font script="Hang" typeface="맑은 고딕"/>
+        <a:font script="Hans" typeface="宋体"/>
+        <a:font script="Hant" typeface="新細明體"/>
+        <a:font script="Arab" typeface="Arial"/>
+        <a:font script="Hebr" typeface="Arial"/>
+        <a:font script="Thai" typeface="Cordia New"/>
+        <a:font script="Ethi" typeface="Nyala"/>
+        <a:font script="Beng" typeface="Vrinda"/>
+        <a:font script="Gujr" typeface="Shruti"/>
+        <a:font script="Khmr" typeface="DaunPenh"/>
+        <a:font script="Knda" typeface="Tunga"/>
+        <a:font script="Guru" typeface="Raavi"/>
+        <a:font script="Cans" typeface="Euphemia"/>
+        <a:font script="Cher" typeface="Plantagenet Cherokee"/>
+        <a:font script="Yiii" typeface="Microsoft Yi Baiti"/>
+        <a:font script="Tibt" typeface="Microsoft Himalaya"/>
+        <a:font script="Thaa" typeface="MV Boli"/>
+        <a:font script="Deva" typeface="Mangal"/>
+        <a:font script="Telu" typeface="Gautami"/>
+        <a:font script="Taml" typeface="Latha"/>
+        <a:font script="Syrc" typeface="Estrangelo Edessa"/>
+        <a:font script="Orya" typeface="Kalinga"/>
+        <a:font script="Mlym" typeface="Kartika"/>
+        <a:font script="Laoo" typeface="DokChampa"/>
+        <a:font script="Sinh" typeface="Iskoola Pota"/>
+        <a:font script="Mong" typeface="Mongolian Baiti"/>
+        <a:font script="Viet" typeface="Arial"/>
+        <a:font script="Uigh" typeface="Microsoft Uighur"/>
+        <a:font script="Geor" typeface="Sylfaen"/>
+      </a:minorFont>
+    </a:fontScheme>
+    <a:fmtScheme name="Office">
+      <a:fillStyleLst>
+        <a:solidFill>
+          <a:schemeClr val="phClr"/>
+        </a:solidFill>
+        <a:gradFill rotWithShape="1">
+          <a:gsLst>
+            <a:gs pos="0">
+              <a:schemeClr val="phClr">
+                <a:lumMod val="110000"/>
+                <a:satMod val="105000"/>
+                <a:tint val="67000"/>
+              </a:schemeClr>
+            </a:gs>
+            <a:gs pos="50000">
+              <a:schemeClr val="phClr">
+                <a:lumMod val="105000"/>
+                <a:satMod val="103000"/>
+                <a:tint val="73000"/>
+              </a:schemeClr>
+            </a:gs>
+            <a:gs pos="100000">
+              <a:schemeClr val="phClr">
+                <a:lumMod val="105000"/>
+                <a:satMod val="109000"/>
+                <a:tint val="81000"/>
+              </a:schemeClr>
+            </a:gs>
+          </a:gsLst>
+          <a:lin ang="5400000" scaled="0"/>
+        </a:gradFill>
+        <a:gradFill rotWithShape="1">
+          <a:gsLst>
+            <a:gs pos="0">
+              <a:schemeClr val="phClr">
+                <a:satMod val="103000"/>
+                <a:lumMod val="102000"/>
+                <a:tint val="94000"/>
+              </a:schemeClr>
+            </a:gs>
+            <a:gs pos="50000">
+              <a:schemeClr val="phClr">
+                <a:satMod val="110000"/>
+                <a:lumMod val="100000"/>
+                <a:shade val="100000"/>
+              </a:schemeClr>
+            </a:gs>
+            <a:gs pos="100000">
+              <a:schemeClr val="phClr">
+                <a:lumMod val="99000"/>
+                <a:satMod val="120000"/>
+                <a:shade val="78000"/>
+              </a:schemeClr>
+            </a:gs>
+          </a:gsLst>
+          <a:lin ang="5400000" scaled="0"/>
+        </a:gradFill>
+      </a:fillStyleLst>
+      <a:lnStyleLst>
+        <a:ln w="6350" cap="flat" cmpd="sng" algn="ctr">
+          <a:solidFill>
+            <a:schemeClr val="phClr"/>
+          </a:solidFill>
+          <a:prstDash val="solid"/>
+          <a:miter lim="800000"/>
+        </a:ln>
+        <a:ln w="12700" cap="flat" cmpd="sng" algn="ctr">
+          <a:solidFill>
+            <a:schemeClr val="phClr"/>
+          </a:solidFill>
+          <a:prstDash val="solid"/>
+          <a:miter lim="800000"/>
+        </a:ln>
+        <a:ln w="19050" cap="flat" cmpd="sng" algn="ctr">
+          <a:solidFill>
+            <a:schemeClr val="phClr"/>
+          </a:solidFill>
+          <a:prstDash val="solid"/>
+          <a:miter lim="800000"/>
+        </a:ln>
+      </a:lnStyleLst>
+      <a:effectStyleLst>
+        <a:effectStyle>
+          <a:effectLst/>
+        </a:effectStyle>
+        <a:effectStyle>
+          <a:effectLst/>
+        </a:effectStyle>
+        <a:effectStyle>
+          <a:effectLst>
+            <a:outerShdw blurRad="57150" dist="19050" dir="5400000" algn="ctr" rotWithShape="0">
+              <a:srgbClr val="000000">
+                <a:alpha val="63000"/>
+              </a:srgbClr>
+            </a:outerShdw>
+          </a:effectLst>
+        </a:effectStyle>
+      </a:effectStyleLst>
+      <a:bgFillStyleLst>
+        <a:solidFill>
+          <a:schemeClr val="phClr"/>
+        </a:solidFill>
+        <a:solidFill>
+          <a:schemeClr val="phClr">
+            <a:tint val="95000"/>
+            <a:satMod val="170000"/>
+          </a:schemeClr>
+        </a:solidFill>
+        <a:gradFill rotWithShape="1">
+          <a:gsLst>
+            <a:gs pos="0">
+              <a:schemeClr val="phClr">
+                <a:tint val="93000"/>
+                <a:satMod val="150000"/>
+                <a:shade val="98000"/>
+                <a:lumMod val="102000"/>
+              </a:schemeClr>
+            </a:gs>
+            <a:gs pos="50000">
+              <a:schemeClr val="phClr">
+                <a:tint val="98000"/>
+                <a:satMod val="130000"/>
+                <a:shade val="90000"/>
+                <a:lumMod val="103000"/>
+              </a:schemeClr>
+            </a:gs>
+            <a:gs pos="100000">
+              <a:schemeClr val="phClr">
+                <a:shade val="63000"/>
+                <a:satMod val="120000"/>
+              </a:schemeClr>
+            </a:gs>
+          </a:gsLst>
+          <a:lin ang="5400000" scaled="0"/>
+        </a:gradFill>
+      </a:bgFillStyleLst>
+    </a:fmtScheme>
+  </a:themeElements>
+  <a:objectDefaults/>
+  <a:extraClrSchemeLst/>
+  <a:extLst>
+    <a:ext uri="{05A4C25C-085E-4340-85A3-A5531E510DB2}">
+      <thm15:themeFamily xmlns:thm15="http://schemas.microsoft.com/office/thememl/2012/main" name="Office Theme" id="{62F939B6-93AF-4DB8-9C6B-D6C7DFDC589F}" vid="{4A3C46E8-61CC-4603-A589-7422A47A8E4A}"/>
+    </a:ext>
+  </a:extLst>
+</a:theme>
 </file>
--- a/Presentations/JavaScript - Language Features.pptx
+++ b/Presentations/JavaScript - Language Features.pptx
@@ -5,7 +5,7 @@
     <p:sldMasterId id="2147483648" r:id="rId1"/>
   </p:sldMasterIdLst>
   <p:notesMasterIdLst>
-    <p:notesMasterId r:id="rId22"/>
+    <p:notesMasterId r:id="rId24"/>
   </p:notesMasterIdLst>
   <p:sldIdLst>
     <p:sldId id="256" r:id="rId2"/>
@@ -28,6 +28,8 @@
     <p:sldId id="274" r:id="rId19"/>
     <p:sldId id="275" r:id="rId20"/>
     <p:sldId id="276" r:id="rId21"/>
+    <p:sldId id="279" r:id="rId22"/>
+    <p:sldId id="280" r:id="rId23"/>
   </p:sldIdLst>
   <p:sldSz cx="12192000" cy="6858000"/>
   <p:notesSz cx="6858000" cy="9144000"/>
@@ -165,6 +167,12 @@
             <p14:sldId id="276"/>
           </p14:sldIdLst>
         </p14:section>
+        <p14:section name="ES 6 Features" id="{981CFE45-B522-43EB-9951-C107EA4EBB88}">
+          <p14:sldIdLst>
+            <p14:sldId id="279"/>
+            <p14:sldId id="280"/>
+          </p14:sldIdLst>
+        </p14:section>
       </p14:sectionLst>
     </p:ext>
     <p:ext uri="{EFAFB233-063F-42B5-8137-9DF3F51BA10A}">
@@ -256,7 +264,7 @@
           <a:p>
             <a:fld id="{EC0B4A1C-1E78-4506-BDEE-AC040F109A54}" type="datetimeFigureOut">
               <a:rPr lang="en-US" smtClean="0"/>
-              <a:t>7/8/2015</a:t>
+              <a:t>7/21/2015</a:t>
             </a:fld>
             <a:endParaRPr lang="en-US"/>
           </a:p>
@@ -749,7 +757,7 @@
           <a:p>
             <a:fld id="{A6DC50E3-1BD8-4A86-A702-0440341AF9AB}" type="datetimeFigureOut">
               <a:rPr lang="en-US" smtClean="0"/>
-              <a:t>7/8/2015</a:t>
+              <a:t>7/21/2015</a:t>
             </a:fld>
             <a:endParaRPr lang="en-US"/>
           </a:p>
@@ -919,7 +927,7 @@
           <a:p>
             <a:fld id="{A6DC50E3-1BD8-4A86-A702-0440341AF9AB}" type="datetimeFigureOut">
               <a:rPr lang="en-US" smtClean="0"/>
-              <a:t>7/8/2015</a:t>
+              <a:t>7/21/2015</a:t>
             </a:fld>
             <a:endParaRPr lang="en-US"/>
           </a:p>
@@ -1099,7 +1107,7 @@
           <a:p>
             <a:fld id="{A6DC50E3-1BD8-4A86-A702-0440341AF9AB}" type="datetimeFigureOut">
               <a:rPr lang="en-US" smtClean="0"/>
-              <a:t>7/8/2015</a:t>
+              <a:t>7/21/2015</a:t>
             </a:fld>
             <a:endParaRPr lang="en-US"/>
           </a:p>
@@ -1269,7 +1277,7 @@
           <a:p>
             <a:fld id="{A6DC50E3-1BD8-4A86-A702-0440341AF9AB}" type="datetimeFigureOut">
               <a:rPr lang="en-US" smtClean="0"/>
-              <a:t>7/8/2015</a:t>
+              <a:t>7/21/2015</a:t>
             </a:fld>
             <a:endParaRPr lang="en-US"/>
           </a:p>
@@ -1515,7 +1523,7 @@
           <a:p>
             <a:fld id="{A6DC50E3-1BD8-4A86-A702-0440341AF9AB}" type="datetimeFigureOut">
               <a:rPr lang="en-US" smtClean="0"/>
-              <a:t>7/8/2015</a:t>
+              <a:t>7/21/2015</a:t>
             </a:fld>
             <a:endParaRPr lang="en-US"/>
           </a:p>
@@ -1747,7 +1755,7 @@
           <a:p>
             <a:fld id="{A6DC50E3-1BD8-4A86-A702-0440341AF9AB}" type="datetimeFigureOut">
               <a:rPr lang="en-US" smtClean="0"/>
-              <a:t>7/8/2015</a:t>
+              <a:t>7/21/2015</a:t>
             </a:fld>
             <a:endParaRPr lang="en-US"/>
           </a:p>
@@ -2114,7 +2122,7 @@
           <a:p>
             <a:fld id="{A6DC50E3-1BD8-4A86-A702-0440341AF9AB}" type="datetimeFigureOut">
               <a:rPr lang="en-US" smtClean="0"/>
-              <a:t>7/8/2015</a:t>
+              <a:t>7/21/2015</a:t>
             </a:fld>
             <a:endParaRPr lang="en-US"/>
           </a:p>
@@ -2232,7 +2240,7 @@
           <a:p>
             <a:fld id="{A6DC50E3-1BD8-4A86-A702-0440341AF9AB}" type="datetimeFigureOut">
               <a:rPr lang="en-US" smtClean="0"/>
-              <a:t>7/8/2015</a:t>
+              <a:t>7/21/2015</a:t>
             </a:fld>
             <a:endParaRPr lang="en-US"/>
           </a:p>
@@ -2327,7 +2335,7 @@
           <a:p>
             <a:fld id="{A6DC50E3-1BD8-4A86-A702-0440341AF9AB}" type="datetimeFigureOut">
               <a:rPr lang="en-US" smtClean="0"/>
-              <a:t>7/8/2015</a:t>
+              <a:t>7/21/2015</a:t>
             </a:fld>
             <a:endParaRPr lang="en-US"/>
           </a:p>
@@ -2604,7 +2612,7 @@
           <a:p>
             <a:fld id="{A6DC50E3-1BD8-4A86-A702-0440341AF9AB}" type="datetimeFigureOut">
               <a:rPr lang="en-US" smtClean="0"/>
-              <a:t>7/8/2015</a:t>
+              <a:t>7/21/2015</a:t>
             </a:fld>
             <a:endParaRPr lang="en-US"/>
           </a:p>
@@ -2857,7 +2865,7 @@
           <a:p>
             <a:fld id="{A6DC50E3-1BD8-4A86-A702-0440341AF9AB}" type="datetimeFigureOut">
               <a:rPr lang="en-US" smtClean="0"/>
-              <a:t>7/8/2015</a:t>
+              <a:t>7/21/2015</a:t>
             </a:fld>
             <a:endParaRPr lang="en-US"/>
           </a:p>
@@ -3070,7 +3078,7 @@
           <a:p>
             <a:fld id="{A6DC50E3-1BD8-4A86-A702-0440341AF9AB}" type="datetimeFigureOut">
               <a:rPr lang="en-US" smtClean="0"/>
-              <a:t>7/8/2015</a:t>
+              <a:t>7/21/2015</a:t>
             </a:fld>
             <a:endParaRPr lang="en-US"/>
           </a:p>
@@ -4415,11 +4423,7 @@
           <a:p>
             <a:r>
               <a:rPr lang="en-US" dirty="0" smtClean="0"/>
-              <a:t>Local and Global </a:t>
-            </a:r>
-            <a:r>
-              <a:rPr lang="en-US" dirty="0" smtClean="0"/>
-              <a:t>Scope</a:t>
+              <a:t>Local and Global Scope</a:t>
             </a:r>
           </a:p>
           <a:p>
@@ -4435,7 +4439,6 @@
               <a:rPr lang="en-US" dirty="0" smtClean="0"/>
               <a:t>Dynamic scope [find someone in the downtime building by building]</a:t>
             </a:r>
-            <a:endParaRPr lang="en-US" dirty="0" smtClean="0"/>
           </a:p>
           <a:p>
             <a:r>
@@ -5604,6 +5607,174 @@
 </p:sld>
 </file>
 
+<file path=ppt/slides/slide21.xml><?xml version="1.0" encoding="utf-8"?>
+<p:sld xmlns:a="http://schemas.openxmlformats.org/drawingml/2006/main" xmlns:r="http://schemas.openxmlformats.org/officeDocument/2006/relationships" xmlns:p="http://schemas.openxmlformats.org/presentationml/2006/main">
+  <p:cSld>
+    <p:spTree>
+      <p:nvGrpSpPr>
+        <p:cNvPr id="1" name=""/>
+        <p:cNvGrpSpPr/>
+        <p:nvPr/>
+      </p:nvGrpSpPr>
+      <p:grpSpPr>
+        <a:xfrm>
+          <a:off x="0" y="0"/>
+          <a:ext cx="0" cy="0"/>
+          <a:chOff x="0" y="0"/>
+          <a:chExt cx="0" cy="0"/>
+        </a:xfrm>
+      </p:grpSpPr>
+      <p:sp>
+        <p:nvSpPr>
+          <p:cNvPr id="2" name="Title 1"/>
+          <p:cNvSpPr>
+            <a:spLocks noGrp="1"/>
+          </p:cNvSpPr>
+          <p:nvPr>
+            <p:ph type="title"/>
+          </p:nvPr>
+        </p:nvSpPr>
+        <p:spPr/>
+        <p:txBody>
+          <a:bodyPr/>
+          <a:lstStyle/>
+          <a:p>
+            <a:r>
+              <a:rPr lang="en-US" dirty="0" smtClean="0"/>
+              <a:t>As of today</a:t>
+            </a:r>
+            <a:endParaRPr lang="en-US" dirty="0"/>
+          </a:p>
+        </p:txBody>
+      </p:sp>
+      <p:sp>
+        <p:nvSpPr>
+          <p:cNvPr id="3" name="Content Placeholder 2"/>
+          <p:cNvSpPr>
+            <a:spLocks noGrp="1"/>
+          </p:cNvSpPr>
+          <p:nvPr>
+            <p:ph idx="1"/>
+          </p:nvPr>
+        </p:nvSpPr>
+        <p:spPr/>
+        <p:txBody>
+          <a:bodyPr/>
+          <a:lstStyle/>
+          <a:p>
+            <a:r>
+              <a:rPr lang="en-US" dirty="0"/>
+              <a:t>http://kangax.github.io/compat-table/es6/</a:t>
+            </a:r>
+            <a:endParaRPr lang="en-US" dirty="0"/>
+          </a:p>
+        </p:txBody>
+      </p:sp>
+    </p:spTree>
+    <p:extLst>
+      <p:ext uri="{BB962C8B-B14F-4D97-AF65-F5344CB8AC3E}">
+        <p14:creationId xmlns:p14="http://schemas.microsoft.com/office/powerpoint/2010/main" val="933141090"/>
+      </p:ext>
+    </p:extLst>
+  </p:cSld>
+  <p:clrMapOvr>
+    <a:masterClrMapping/>
+  </p:clrMapOvr>
+</p:sld>
+</file>
+
+<file path=ppt/slides/slide22.xml><?xml version="1.0" encoding="utf-8"?>
+<p:sld xmlns:a="http://schemas.openxmlformats.org/drawingml/2006/main" xmlns:r="http://schemas.openxmlformats.org/officeDocument/2006/relationships" xmlns:p="http://schemas.openxmlformats.org/presentationml/2006/main">
+  <p:cSld>
+    <p:spTree>
+      <p:nvGrpSpPr>
+        <p:cNvPr id="1" name=""/>
+        <p:cNvGrpSpPr/>
+        <p:nvPr/>
+      </p:nvGrpSpPr>
+      <p:grpSpPr>
+        <a:xfrm>
+          <a:off x="0" y="0"/>
+          <a:ext cx="0" cy="0"/>
+          <a:chOff x="0" y="0"/>
+          <a:chExt cx="0" cy="0"/>
+        </a:xfrm>
+      </p:grpSpPr>
+      <p:sp>
+        <p:nvSpPr>
+          <p:cNvPr id="2" name="Title 1"/>
+          <p:cNvSpPr>
+            <a:spLocks noGrp="1"/>
+          </p:cNvSpPr>
+          <p:nvPr>
+            <p:ph type="title"/>
+          </p:nvPr>
+        </p:nvSpPr>
+        <p:spPr/>
+        <p:txBody>
+          <a:bodyPr/>
+          <a:lstStyle/>
+          <a:p>
+            <a:r>
+              <a:rPr lang="en-US" dirty="0" smtClean="0"/>
+              <a:t>ECMAScript6 Features</a:t>
+            </a:r>
+            <a:endParaRPr lang="en-US" dirty="0"/>
+          </a:p>
+        </p:txBody>
+      </p:sp>
+      <p:sp>
+        <p:nvSpPr>
+          <p:cNvPr id="3" name="Content Placeholder 2"/>
+          <p:cNvSpPr>
+            <a:spLocks noGrp="1"/>
+          </p:cNvSpPr>
+          <p:nvPr>
+            <p:ph idx="1"/>
+          </p:nvPr>
+        </p:nvSpPr>
+        <p:spPr/>
+        <p:txBody>
+          <a:bodyPr/>
+          <a:lstStyle/>
+          <a:p>
+            <a:r>
+              <a:rPr lang="en-US" dirty="0" smtClean="0"/>
+              <a:t>let – block scope variable declaration</a:t>
+            </a:r>
+          </a:p>
+          <a:p>
+            <a:r>
+              <a:rPr lang="en-US" dirty="0" err="1" smtClean="0"/>
+              <a:t>const</a:t>
+            </a:r>
+            <a:r>
+              <a:rPr lang="en-US" dirty="0" smtClean="0"/>
+              <a:t> – constant definition</a:t>
+            </a:r>
+          </a:p>
+          <a:p>
+            <a:r>
+              <a:rPr lang="en-US" dirty="0" err="1" smtClean="0"/>
+              <a:t>destructuring</a:t>
+            </a:r>
+            <a:endParaRPr lang="en-US" dirty="0"/>
+          </a:p>
+        </p:txBody>
+      </p:sp>
+    </p:spTree>
+    <p:extLst>
+      <p:ext uri="{BB962C8B-B14F-4D97-AF65-F5344CB8AC3E}">
+        <p14:creationId xmlns:p14="http://schemas.microsoft.com/office/powerpoint/2010/main" val="70424336"/>
+      </p:ext>
+    </p:extLst>
+  </p:cSld>
+  <p:clrMapOvr>
+    <a:masterClrMapping/>
+  </p:clrMapOvr>
+</p:sld>
+</file>
+
 <file path=ppt/slides/slide3.xml><?xml version="1.0" encoding="utf-8"?>
 <p:sld xmlns:a="http://schemas.openxmlformats.org/drawingml/2006/main" xmlns:r="http://schemas.openxmlformats.org/officeDocument/2006/relationships" xmlns:p="http://schemas.openxmlformats.org/presentationml/2006/main">
   <p:cSld>
@@ -6409,7 +6580,7 @@
             <p:ph idx="1"/>
             <p:extLst>
               <p:ext uri="{D42A27DB-BD31-4B8C-83A1-F6EECF244321}">
-                <p14:modId xmlns:p14="http://schemas.microsoft.com/office/powerpoint/2010/main" val="2531529764"/>
+                <p14:modId xmlns:p14="http://schemas.microsoft.com/office/powerpoint/2010/main" val="211116737"/>
               </p:ext>
             </p:extLst>
           </p:nvPr>
@@ -6960,6 +7131,10 @@
                     <a:bodyPr/>
                     <a:lstStyle/>
                     <a:p>
+                      <a:r>
+                        <a:rPr lang="en-US" smtClean="0"/>
+                        <a:t>%=</a:t>
+                      </a:r>
                       <a:endParaRPr lang="en-US" dirty="0"/>
                     </a:p>
                   </a:txBody>
